--- a/Presentation.pptx
+++ b/Presentation.pptx
@@ -12,21 +12,31 @@
     <p:sldId id="260" r:id="rId10"/>
     <p:sldId id="261" r:id="rId11"/>
     <p:sldId id="262" r:id="rId12"/>
+    <p:sldId id="263" r:id="rId13"/>
+    <p:sldId id="264" r:id="rId14"/>
+    <p:sldId id="265" r:id="rId15"/>
+    <p:sldId id="266" r:id="rId16"/>
+    <p:sldId id="267" r:id="rId17"/>
+    <p:sldId id="268" r:id="rId18"/>
   </p:sldIdLst>
   <p:sldSz cx="18288000" cy="10287000"/>
   <p:notesSz cx="6858000" cy="9144000"/>
   <p:embeddedFontLst>
     <p:embeddedFont>
-      <p:font typeface="Codec Pro Bold" charset="1" panose="00000600000000000000"/>
-      <p:regular r:id="rId13"/>
-    </p:embeddedFont>
-    <p:embeddedFont>
       <p:font typeface="Codec Pro" charset="1" panose="00000500000000000000"/>
-      <p:regular r:id="rId14"/>
+      <p:regular r:id="rId19"/>
     </p:embeddedFont>
     <p:embeddedFont>
       <p:font typeface="Open Sauce Medium" charset="1" panose="00000600000000000000"/>
-      <p:regular r:id="rId15"/>
+      <p:regular r:id="rId20"/>
+    </p:embeddedFont>
+    <p:embeddedFont>
+      <p:font typeface="Open Sans Bold" charset="1" panose="020B0806030504020204"/>
+      <p:regular r:id="rId21"/>
+    </p:embeddedFont>
+    <p:embeddedFont>
+      <p:font typeface="Open Sauce Bold" charset="1" panose="00000800000000000000"/>
+      <p:regular r:id="rId22"/>
     </p:embeddedFont>
   </p:embeddedFontLst>
   <p:defaultTextStyle>
@@ -3185,67 +3195,14 @@
       </p:sp>
       <p:sp>
         <p:nvSpPr>
-          <p:cNvPr name="TextBox 4" id="4"/>
-          <p:cNvSpPr txBox="true"/>
-          <p:nvPr/>
-        </p:nvSpPr>
-        <p:spPr>
-          <a:xfrm rot="0">
-            <a:off x="4763000" y="5924322"/>
-            <a:ext cx="8588294" cy="832790"/>
-          </a:xfrm>
-          <a:prstGeom prst="rect">
-            <a:avLst/>
-          </a:prstGeom>
-        </p:spPr>
-        <p:txBody>
-          <a:bodyPr anchor="t" rtlCol="false" tIns="0" lIns="0" bIns="0" rIns="0">
-            <a:spAutoFit/>
-          </a:bodyPr>
-          <a:lstStyle/>
-          <a:p>
-            <a:pPr algn="ctr">
-              <a:lnSpc>
-                <a:spcPts val="5529"/>
-              </a:lnSpc>
-            </a:pPr>
-            <a:r>
-              <a:rPr lang="en-US" b="true" sz="5759">
-                <a:solidFill>
-                  <a:srgbClr val="050A30"/>
-                </a:solidFill>
-                <a:latin typeface="Codec Pro Bold"/>
-                <a:ea typeface="Codec Pro Bold"/>
-                <a:cs typeface="Codec Pro Bold"/>
-                <a:sym typeface="Codec Pro Bold"/>
-              </a:rPr>
-              <a:t>by </a:t>
-            </a:r>
-            <a:r>
-              <a:rPr lang="en-US" b="true" sz="5759">
-                <a:solidFill>
-                  <a:srgbClr val="840B84"/>
-                </a:solidFill>
-                <a:latin typeface="Codec Pro Bold"/>
-                <a:ea typeface="Codec Pro Bold"/>
-                <a:cs typeface="Codec Pro Bold"/>
-                <a:sym typeface="Codec Pro Bold"/>
-              </a:rPr>
-              <a:t>Catalysta</a:t>
-            </a:r>
-          </a:p>
-        </p:txBody>
-      </p:sp>
-      <p:sp>
-        <p:nvSpPr>
-          <p:cNvPr name="AutoShape 5" id="5"/>
+          <p:cNvPr name="AutoShape 4" id="4"/>
           <p:cNvSpPr/>
           <p:nvPr/>
         </p:nvSpPr>
         <p:spPr>
-          <a:xfrm flipV="true">
-            <a:off x="4413807" y="6340717"/>
-            <a:ext cx="872093" cy="0"/>
+          <a:xfrm>
+            <a:off x="12060343" y="6378817"/>
+            <a:ext cx="2027389" cy="0"/>
           </a:xfrm>
           <a:prstGeom prst="line">
             <a:avLst/>
@@ -3262,14 +3219,14 @@
       </p:sp>
       <p:sp>
         <p:nvSpPr>
-          <p:cNvPr name="AutoShape 6" id="6"/>
+          <p:cNvPr name="AutoShape 5" id="5"/>
           <p:cNvSpPr/>
           <p:nvPr/>
         </p:nvSpPr>
         <p:spPr>
-          <a:xfrm flipV="true">
-            <a:off x="13002100" y="6378817"/>
-            <a:ext cx="872093" cy="0"/>
+          <a:xfrm>
+            <a:off x="4200268" y="6378817"/>
+            <a:ext cx="2027389" cy="0"/>
           </a:xfrm>
           <a:prstGeom prst="line">
             <a:avLst/>
@@ -3286,7 +3243,7 @@
       </p:sp>
       <p:grpSp>
         <p:nvGrpSpPr>
-          <p:cNvPr name="Group 7" id="7"/>
+          <p:cNvPr name="Group 6" id="6"/>
           <p:cNvGrpSpPr/>
           <p:nvPr/>
         </p:nvGrpSpPr>
@@ -3300,7 +3257,7 @@
         </p:grpSpPr>
         <p:sp>
           <p:nvSpPr>
-            <p:cNvPr name="Freeform 8" id="8"/>
+            <p:cNvPr name="Freeform 7" id="7"/>
             <p:cNvSpPr/>
             <p:nvPr/>
           </p:nvSpPr>
@@ -3357,7 +3314,7 @@
         </p:sp>
         <p:sp>
           <p:nvSpPr>
-            <p:cNvPr name="TextBox 9" id="9"/>
+            <p:cNvPr name="TextBox 8" id="8"/>
             <p:cNvSpPr txBox="true"/>
             <p:nvPr/>
           </p:nvSpPr>
@@ -3383,106 +3340,9 @@
           </p:txBody>
         </p:sp>
       </p:grpSp>
-      <p:sp>
-        <p:nvSpPr>
-          <p:cNvPr name="TextBox 10" id="10"/>
-          <p:cNvSpPr txBox="true"/>
-          <p:nvPr/>
-        </p:nvSpPr>
-        <p:spPr>
-          <a:xfrm rot="0">
-            <a:off x="3341708" y="4040840"/>
-            <a:ext cx="11604584" cy="1264515"/>
-          </a:xfrm>
-          <a:prstGeom prst="rect">
-            <a:avLst/>
-          </a:prstGeom>
-        </p:spPr>
-        <p:txBody>
-          <a:bodyPr anchor="t" rtlCol="false" tIns="0" lIns="0" bIns="0" rIns="0">
-            <a:spAutoFit/>
-          </a:bodyPr>
-          <a:lstStyle/>
-          <a:p>
-            <a:pPr algn="ctr">
-              <a:lnSpc>
-                <a:spcPts val="9029"/>
-              </a:lnSpc>
-              <a:spcBef>
-                <a:spcPct val="0"/>
-              </a:spcBef>
-            </a:pPr>
-            <a:r>
-              <a:rPr lang="en-US" sz="7524" spc="361">
-                <a:solidFill>
-                  <a:srgbClr val="F4F6FC"/>
-                </a:solidFill>
-                <a:latin typeface="Codec Pro"/>
-                <a:ea typeface="Codec Pro"/>
-                <a:cs typeface="Codec Pro"/>
-                <a:sym typeface="Codec Pro"/>
-              </a:rPr>
-              <a:t>FOOD DELIVERY</a:t>
-            </a:r>
-          </a:p>
-        </p:txBody>
-      </p:sp>
-      <p:sp>
-        <p:nvSpPr>
-          <p:cNvPr name="TextBox 11" id="11"/>
-          <p:cNvSpPr txBox="true"/>
-          <p:nvPr/>
-        </p:nvSpPr>
-        <p:spPr>
-          <a:xfrm rot="0">
-            <a:off x="4763000" y="2836617"/>
-            <a:ext cx="9111193" cy="747182"/>
-          </a:xfrm>
-          <a:prstGeom prst="rect">
-            <a:avLst/>
-          </a:prstGeom>
-        </p:spPr>
-        <p:txBody>
-          <a:bodyPr anchor="t" rtlCol="false" tIns="0" lIns="0" bIns="0" rIns="0">
-            <a:spAutoFit/>
-          </a:bodyPr>
-          <a:lstStyle/>
-          <a:p>
-            <a:pPr algn="l">
-              <a:lnSpc>
-                <a:spcPts val="5533"/>
-              </a:lnSpc>
-            </a:pPr>
-            <a:r>
-              <a:rPr lang="en-US" sz="5763" b="true">
-                <a:solidFill>
-                  <a:srgbClr val="840B84"/>
-                </a:solidFill>
-                <a:latin typeface="Open Sauce Medium"/>
-                <a:ea typeface="Open Sauce Medium"/>
-                <a:cs typeface="Open Sauce Medium"/>
-                <a:sym typeface="Open Sauce Medium"/>
-              </a:rPr>
-              <a:t>Management </a:t>
-            </a:r>
-            <a:r>
-              <a:rPr lang="en-US" sz="5763" b="true">
-                <a:solidFill>
-                  <a:srgbClr val="000000"/>
-                </a:solidFill>
-                <a:latin typeface="Open Sauce Medium"/>
-                <a:ea typeface="Open Sauce Medium"/>
-                <a:cs typeface="Open Sauce Medium"/>
-                <a:sym typeface="Open Sauce Medium"/>
-              </a:rPr>
-              <a:t>System for</a:t>
-            </a:r>
-          </a:p>
-        </p:txBody>
-      </p:sp>
       <p:grpSp>
         <p:nvGrpSpPr>
-          <p:cNvPr name="Group 12" id="12"/>
+          <p:cNvPr name="Group 9" id="9"/>
           <p:cNvGrpSpPr/>
           <p:nvPr/>
         </p:nvGrpSpPr>
@@ -3496,7 +3356,7 @@
         </p:grpSpPr>
         <p:sp>
           <p:nvSpPr>
-            <p:cNvPr name="Freeform 13" id="13"/>
+            <p:cNvPr name="Freeform 10" id="10"/>
             <p:cNvSpPr/>
             <p:nvPr/>
           </p:nvSpPr>
@@ -3521,6 +3381,100 @@
                   </a:lnTo>
                   <a:lnTo>
                     <a:pt x="4816592" y="97378"/>
+                  </a:lnTo>
+                  <a:lnTo>
+                    <a:pt x="0" y="97378"/>
+                  </a:lnTo>
+                  <a:close/>
+                </a:path>
+              </a:pathLst>
+            </a:custGeom>
+            <a:gradFill rotWithShape="true">
+              <a:gsLst>
+                <a:gs pos="0">
+                  <a:srgbClr val="000000">
+                    <a:alpha val="100000"/>
+                  </a:srgbClr>
+                </a:gs>
+                <a:gs pos="100000">
+                  <a:srgbClr val="12229D">
+                    <a:alpha val="100000"/>
+                  </a:srgbClr>
+                </a:gs>
+              </a:gsLst>
+              <a:lin ang="0"/>
+            </a:gradFill>
+          </p:spPr>
+        </p:sp>
+        <p:sp>
+          <p:nvSpPr>
+            <p:cNvPr name="TextBox 11" id="11"/>
+            <p:cNvSpPr txBox="true"/>
+            <p:nvPr/>
+          </p:nvSpPr>
+          <p:spPr>
+            <a:xfrm>
+              <a:off x="0" y="-38100"/>
+              <a:ext cx="4816593" cy="135478"/>
+            </a:xfrm>
+            <a:prstGeom prst="rect">
+              <a:avLst/>
+            </a:prstGeom>
+          </p:spPr>
+          <p:txBody>
+            <a:bodyPr anchor="ctr" rtlCol="false" tIns="50800" lIns="50800" bIns="50800" rIns="50800"/>
+            <a:lstStyle/>
+            <a:p>
+              <a:pPr algn="ctr">
+                <a:lnSpc>
+                  <a:spcPts val="2659"/>
+                </a:lnSpc>
+              </a:pPr>
+            </a:p>
+          </p:txBody>
+        </p:sp>
+      </p:grpSp>
+      <p:grpSp>
+        <p:nvGrpSpPr>
+          <p:cNvPr name="Group 12" id="12"/>
+          <p:cNvGrpSpPr/>
+          <p:nvPr/>
+        </p:nvGrpSpPr>
+        <p:grpSpPr>
+          <a:xfrm rot="-5400000">
+            <a:off x="13144500" y="4958634"/>
+            <a:ext cx="9917268" cy="369732"/>
+            <a:chOff x="0" y="0"/>
+            <a:chExt cx="2611955" cy="97378"/>
+          </a:xfrm>
+        </p:grpSpPr>
+        <p:sp>
+          <p:nvSpPr>
+            <p:cNvPr name="Freeform 13" id="13"/>
+            <p:cNvSpPr/>
+            <p:nvPr/>
+          </p:nvSpPr>
+          <p:spPr>
+            <a:xfrm flipH="false" flipV="false" rot="0">
+              <a:off x="0" y="0"/>
+              <a:ext cx="2611955" cy="97378"/>
+            </a:xfrm>
+            <a:custGeom>
+              <a:avLst/>
+              <a:gdLst/>
+              <a:ahLst/>
+              <a:cxnLst/>
+              <a:rect r="r" b="b" t="t" l="l"/>
+              <a:pathLst>
+                <a:path h="97378" w="2611955">
+                  <a:moveTo>
+                    <a:pt x="0" y="0"/>
+                  </a:moveTo>
+                  <a:lnTo>
+                    <a:pt x="2611955" y="0"/>
+                  </a:lnTo>
+                  <a:lnTo>
+                    <a:pt x="2611955" y="97378"/>
                   </a:lnTo>
                   <a:lnTo>
                     <a:pt x="0" y="97378"/>
@@ -3555,7 +3509,7 @@
           <p:spPr>
             <a:xfrm>
               <a:off x="0" y="-38100"/>
-              <a:ext cx="4816593" cy="135478"/>
+              <a:ext cx="2611955" cy="135478"/>
             </a:xfrm>
             <a:prstGeom prst="rect">
               <a:avLst/>
@@ -3581,11 +3535,11 @@
           <p:nvPr/>
         </p:nvGrpSpPr>
         <p:grpSpPr>
-          <a:xfrm rot="-5400000">
-            <a:off x="13144500" y="4958634"/>
-            <a:ext cx="9917268" cy="369732"/>
+          <a:xfrm rot="0">
+            <a:off x="0" y="0"/>
+            <a:ext cx="18288000" cy="369732"/>
             <a:chOff x="0" y="0"/>
-            <a:chExt cx="2611955" cy="97378"/>
+            <a:chExt cx="4816593" cy="97378"/>
           </a:xfrm>
         </p:grpSpPr>
         <p:sp>
@@ -3597,7 +3551,7 @@
           <p:spPr>
             <a:xfrm flipH="false" flipV="false" rot="0">
               <a:off x="0" y="0"/>
-              <a:ext cx="2611955" cy="97378"/>
+              <a:ext cx="4816592" cy="97378"/>
             </a:xfrm>
             <a:custGeom>
               <a:avLst/>
@@ -3606,15 +3560,15 @@
               <a:cxnLst/>
               <a:rect r="r" b="b" t="t" l="l"/>
               <a:pathLst>
-                <a:path h="97378" w="2611955">
+                <a:path h="97378" w="4816592">
                   <a:moveTo>
                     <a:pt x="0" y="0"/>
                   </a:moveTo>
                   <a:lnTo>
-                    <a:pt x="2611955" y="0"/>
-                  </a:lnTo>
-                  <a:lnTo>
-                    <a:pt x="2611955" y="97378"/>
+                    <a:pt x="4816592" y="0"/>
+                  </a:lnTo>
+                  <a:lnTo>
+                    <a:pt x="4816592" y="97378"/>
                   </a:lnTo>
                   <a:lnTo>
                     <a:pt x="0" y="97378"/>
@@ -3649,7 +3603,7 @@
           <p:spPr>
             <a:xfrm>
               <a:off x="0" y="-38100"/>
-              <a:ext cx="2611955" cy="135478"/>
+              <a:ext cx="4816593" cy="135478"/>
             </a:xfrm>
             <a:prstGeom prst="rect">
               <a:avLst/>
@@ -3675,11 +3629,11 @@
           <p:nvPr/>
         </p:nvGrpSpPr>
         <p:grpSpPr>
-          <a:xfrm rot="0">
-            <a:off x="0" y="0"/>
-            <a:ext cx="18288000" cy="369732"/>
+          <a:xfrm rot="5400000">
+            <a:off x="-4864458" y="4958634"/>
+            <a:ext cx="10102134" cy="369732"/>
             <a:chOff x="0" y="0"/>
-            <a:chExt cx="4816593" cy="97378"/>
+            <a:chExt cx="2660644" cy="97378"/>
           </a:xfrm>
         </p:grpSpPr>
         <p:sp>
@@ -3691,7 +3645,7 @@
           <p:spPr>
             <a:xfrm flipH="false" flipV="false" rot="0">
               <a:off x="0" y="0"/>
-              <a:ext cx="4816592" cy="97378"/>
+              <a:ext cx="2660644" cy="97378"/>
             </a:xfrm>
             <a:custGeom>
               <a:avLst/>
@@ -3700,15 +3654,15 @@
               <a:cxnLst/>
               <a:rect r="r" b="b" t="t" l="l"/>
               <a:pathLst>
-                <a:path h="97378" w="4816592">
+                <a:path h="97378" w="2660644">
                   <a:moveTo>
                     <a:pt x="0" y="0"/>
                   </a:moveTo>
                   <a:lnTo>
-                    <a:pt x="4816592" y="0"/>
-                  </a:lnTo>
-                  <a:lnTo>
-                    <a:pt x="4816592" y="97378"/>
+                    <a:pt x="2660644" y="0"/>
+                  </a:lnTo>
+                  <a:lnTo>
+                    <a:pt x="2660644" y="97378"/>
                   </a:lnTo>
                   <a:lnTo>
                     <a:pt x="0" y="97378"/>
@@ -3743,100 +3697,6 @@
           <p:spPr>
             <a:xfrm>
               <a:off x="0" y="-38100"/>
-              <a:ext cx="4816593" cy="135478"/>
-            </a:xfrm>
-            <a:prstGeom prst="rect">
-              <a:avLst/>
-            </a:prstGeom>
-          </p:spPr>
-          <p:txBody>
-            <a:bodyPr anchor="ctr" rtlCol="false" tIns="50800" lIns="50800" bIns="50800" rIns="50800"/>
-            <a:lstStyle/>
-            <a:p>
-              <a:pPr algn="ctr">
-                <a:lnSpc>
-                  <a:spcPts val="2659"/>
-                </a:lnSpc>
-              </a:pPr>
-            </a:p>
-          </p:txBody>
-        </p:sp>
-      </p:grpSp>
-      <p:grpSp>
-        <p:nvGrpSpPr>
-          <p:cNvPr name="Group 21" id="21"/>
-          <p:cNvGrpSpPr/>
-          <p:nvPr/>
-        </p:nvGrpSpPr>
-        <p:grpSpPr>
-          <a:xfrm rot="5400000">
-            <a:off x="-4864458" y="4958634"/>
-            <a:ext cx="10102134" cy="369732"/>
-            <a:chOff x="0" y="0"/>
-            <a:chExt cx="2660644" cy="97378"/>
-          </a:xfrm>
-        </p:grpSpPr>
-        <p:sp>
-          <p:nvSpPr>
-            <p:cNvPr name="Freeform 22" id="22"/>
-            <p:cNvSpPr/>
-            <p:nvPr/>
-          </p:nvSpPr>
-          <p:spPr>
-            <a:xfrm flipH="false" flipV="false" rot="0">
-              <a:off x="0" y="0"/>
-              <a:ext cx="2660644" cy="97378"/>
-            </a:xfrm>
-            <a:custGeom>
-              <a:avLst/>
-              <a:gdLst/>
-              <a:ahLst/>
-              <a:cxnLst/>
-              <a:rect r="r" b="b" t="t" l="l"/>
-              <a:pathLst>
-                <a:path h="97378" w="2660644">
-                  <a:moveTo>
-                    <a:pt x="0" y="0"/>
-                  </a:moveTo>
-                  <a:lnTo>
-                    <a:pt x="2660644" y="0"/>
-                  </a:lnTo>
-                  <a:lnTo>
-                    <a:pt x="2660644" y="97378"/>
-                  </a:lnTo>
-                  <a:lnTo>
-                    <a:pt x="0" y="97378"/>
-                  </a:lnTo>
-                  <a:close/>
-                </a:path>
-              </a:pathLst>
-            </a:custGeom>
-            <a:gradFill rotWithShape="true">
-              <a:gsLst>
-                <a:gs pos="0">
-                  <a:srgbClr val="000000">
-                    <a:alpha val="100000"/>
-                  </a:srgbClr>
-                </a:gs>
-                <a:gs pos="100000">
-                  <a:srgbClr val="12229D">
-                    <a:alpha val="100000"/>
-                  </a:srgbClr>
-                </a:gs>
-              </a:gsLst>
-              <a:lin ang="0"/>
-            </a:gradFill>
-          </p:spPr>
-        </p:sp>
-        <p:sp>
-          <p:nvSpPr>
-            <p:cNvPr name="TextBox 23" id="23"/>
-            <p:cNvSpPr txBox="true"/>
-            <p:nvPr/>
-          </p:nvSpPr>
-          <p:spPr>
-            <a:xfrm>
-              <a:off x="0" y="-38100"/>
               <a:ext cx="2660644" cy="135478"/>
             </a:xfrm>
             <a:prstGeom prst="rect">
@@ -3858,7 +3718,7 @@
       </p:grpSp>
       <p:sp>
         <p:nvSpPr>
-          <p:cNvPr name="Freeform 24" id="24"/>
+          <p:cNvPr name="Freeform 21" id="21"/>
           <p:cNvSpPr/>
           <p:nvPr/>
         </p:nvSpPr>
@@ -3910,7 +3770,7 @@
       </p:sp>
       <p:sp>
         <p:nvSpPr>
-          <p:cNvPr name="Freeform 25" id="25"/>
+          <p:cNvPr name="Freeform 22" id="22"/>
           <p:cNvSpPr/>
           <p:nvPr/>
         </p:nvSpPr>
@@ -3962,7 +3822,2562 @@
       </p:sp>
       <p:sp>
         <p:nvSpPr>
-          <p:cNvPr name="Freeform 26" id="26"/>
+          <p:cNvPr name="Freeform 23" id="23"/>
+          <p:cNvSpPr/>
+          <p:nvPr/>
+        </p:nvSpPr>
+        <p:spPr>
+          <a:xfrm flipH="false" flipV="false" rot="-5400000">
+            <a:off x="15399525" y="4308265"/>
+            <a:ext cx="2314760" cy="1266805"/>
+          </a:xfrm>
+          <a:custGeom>
+            <a:avLst/>
+            <a:gdLst/>
+            <a:ahLst/>
+            <a:cxnLst/>
+            <a:rect r="r" b="b" t="t" l="l"/>
+            <a:pathLst>
+              <a:path h="1266805" w="2314760">
+                <a:moveTo>
+                  <a:pt x="0" y="0"/>
+                </a:moveTo>
+                <a:lnTo>
+                  <a:pt x="2314760" y="0"/>
+                </a:lnTo>
+                <a:lnTo>
+                  <a:pt x="2314760" y="1266805"/>
+                </a:lnTo>
+                <a:lnTo>
+                  <a:pt x="0" y="1266805"/>
+                </a:lnTo>
+                <a:lnTo>
+                  <a:pt x="0" y="0"/>
+                </a:lnTo>
+                <a:close/>
+              </a:path>
+            </a:pathLst>
+          </a:custGeom>
+          <a:blipFill>
+            <a:blip r:embed="rId4">
+              <a:extLst>
+                <a:ext uri="{96DAC541-7B7A-43D3-8B79-37D633B846F1}">
+                  <asvg:svgBlip xmlns:asvg="http://schemas.microsoft.com/office/drawing/2016/SVG/main" r:embed="rId5"/>
+                </a:ext>
+              </a:extLst>
+            </a:blip>
+            <a:stretch>
+              <a:fillRect l="0" t="0" r="0" b="0"/>
+            </a:stretch>
+          </a:blipFill>
+        </p:spPr>
+      </p:sp>
+      <p:sp>
+        <p:nvSpPr>
+          <p:cNvPr name="Freeform 24" id="24"/>
+          <p:cNvSpPr/>
+          <p:nvPr/>
+        </p:nvSpPr>
+        <p:spPr>
+          <a:xfrm flipH="false" flipV="false" rot="0">
+            <a:off x="6610235" y="5793438"/>
+            <a:ext cx="5067529" cy="1094556"/>
+          </a:xfrm>
+          <a:custGeom>
+            <a:avLst/>
+            <a:gdLst/>
+            <a:ahLst/>
+            <a:cxnLst/>
+            <a:rect r="r" b="b" t="t" l="l"/>
+            <a:pathLst>
+              <a:path h="1094556" w="5067529">
+                <a:moveTo>
+                  <a:pt x="0" y="0"/>
+                </a:moveTo>
+                <a:lnTo>
+                  <a:pt x="5067530" y="0"/>
+                </a:lnTo>
+                <a:lnTo>
+                  <a:pt x="5067530" y="1094557"/>
+                </a:lnTo>
+                <a:lnTo>
+                  <a:pt x="0" y="1094557"/>
+                </a:lnTo>
+                <a:lnTo>
+                  <a:pt x="0" y="0"/>
+                </a:lnTo>
+                <a:close/>
+              </a:path>
+            </a:pathLst>
+          </a:custGeom>
+          <a:blipFill>
+            <a:blip r:embed="rId10"/>
+            <a:stretch>
+              <a:fillRect l="-14266" t="-135799" r="-14266" b="-174722"/>
+            </a:stretch>
+          </a:blipFill>
+        </p:spPr>
+      </p:sp>
+      <p:sp>
+        <p:nvSpPr>
+          <p:cNvPr name="TextBox 25" id="25"/>
+          <p:cNvSpPr txBox="true"/>
+          <p:nvPr/>
+        </p:nvSpPr>
+        <p:spPr>
+          <a:xfrm rot="0">
+            <a:off x="3341708" y="4040840"/>
+            <a:ext cx="11604584" cy="1264515"/>
+          </a:xfrm>
+          <a:prstGeom prst="rect">
+            <a:avLst/>
+          </a:prstGeom>
+        </p:spPr>
+        <p:txBody>
+          <a:bodyPr anchor="t" rtlCol="false" tIns="0" lIns="0" bIns="0" rIns="0">
+            <a:spAutoFit/>
+          </a:bodyPr>
+          <a:lstStyle/>
+          <a:p>
+            <a:pPr algn="ctr">
+              <a:lnSpc>
+                <a:spcPts val="9029"/>
+              </a:lnSpc>
+              <a:spcBef>
+                <a:spcPct val="0"/>
+              </a:spcBef>
+            </a:pPr>
+            <a:r>
+              <a:rPr lang="en-US" sz="7524" spc="361">
+                <a:solidFill>
+                  <a:srgbClr val="F4F6FC"/>
+                </a:solidFill>
+                <a:latin typeface="Codec Pro"/>
+                <a:ea typeface="Codec Pro"/>
+                <a:cs typeface="Codec Pro"/>
+                <a:sym typeface="Codec Pro"/>
+              </a:rPr>
+              <a:t>FOOD DELIVERY</a:t>
+            </a:r>
+          </a:p>
+        </p:txBody>
+      </p:sp>
+      <p:sp>
+        <p:nvSpPr>
+          <p:cNvPr name="TextBox 26" id="26"/>
+          <p:cNvSpPr txBox="true"/>
+          <p:nvPr/>
+        </p:nvSpPr>
+        <p:spPr>
+          <a:xfrm rot="0">
+            <a:off x="4763000" y="2836617"/>
+            <a:ext cx="9111193" cy="747182"/>
+          </a:xfrm>
+          <a:prstGeom prst="rect">
+            <a:avLst/>
+          </a:prstGeom>
+        </p:spPr>
+        <p:txBody>
+          <a:bodyPr anchor="t" rtlCol="false" tIns="0" lIns="0" bIns="0" rIns="0">
+            <a:spAutoFit/>
+          </a:bodyPr>
+          <a:lstStyle/>
+          <a:p>
+            <a:pPr algn="l">
+              <a:lnSpc>
+                <a:spcPts val="5533"/>
+              </a:lnSpc>
+            </a:pPr>
+            <a:r>
+              <a:rPr lang="en-US" sz="5763" b="true">
+                <a:solidFill>
+                  <a:srgbClr val="840B84"/>
+                </a:solidFill>
+                <a:latin typeface="Open Sauce Medium"/>
+                <a:ea typeface="Open Sauce Medium"/>
+                <a:cs typeface="Open Sauce Medium"/>
+                <a:sym typeface="Open Sauce Medium"/>
+              </a:rPr>
+              <a:t>Management </a:t>
+            </a:r>
+            <a:r>
+              <a:rPr lang="en-US" sz="5763" b="true">
+                <a:solidFill>
+                  <a:srgbClr val="000000"/>
+                </a:solidFill>
+                <a:latin typeface="Open Sauce Medium"/>
+                <a:ea typeface="Open Sauce Medium"/>
+                <a:cs typeface="Open Sauce Medium"/>
+                <a:sym typeface="Open Sauce Medium"/>
+              </a:rPr>
+              <a:t>System for</a:t>
+            </a:r>
+          </a:p>
+        </p:txBody>
+      </p:sp>
+    </p:spTree>
+  </p:cSld>
+  <p:clrMapOvr>
+    <a:masterClrMapping/>
+  </p:clrMapOvr>
+</p:sld>
+</file>
+
+<file path=ppt/slides/slide10.xml><?xml version="1.0" encoding="utf-8"?>
+<p:sld xmlns:p="http://schemas.openxmlformats.org/presentationml/2006/main" xmlns:a="http://schemas.openxmlformats.org/drawingml/2006/main" xmlns:r="http://schemas.openxmlformats.org/officeDocument/2006/relationships">
+  <p:cSld>
+    <p:spTree>
+      <p:nvGrpSpPr>
+        <p:cNvPr id="1" name=""/>
+        <p:cNvGrpSpPr/>
+        <p:nvPr/>
+      </p:nvGrpSpPr>
+      <p:grpSpPr>
+        <a:xfrm>
+          <a:off x="0" y="0"/>
+          <a:ext cx="0" cy="0"/>
+          <a:chOff x="0" y="0"/>
+          <a:chExt cx="0" cy="0"/>
+        </a:xfrm>
+      </p:grpSpPr>
+      <p:grpSp>
+        <p:nvGrpSpPr>
+          <p:cNvPr name="Group 2" id="2"/>
+          <p:cNvGrpSpPr/>
+          <p:nvPr/>
+        </p:nvGrpSpPr>
+        <p:grpSpPr>
+          <a:xfrm rot="-10800000">
+            <a:off x="0" y="9917268"/>
+            <a:ext cx="18288000" cy="369732"/>
+            <a:chOff x="0" y="0"/>
+            <a:chExt cx="4816593" cy="97378"/>
+          </a:xfrm>
+        </p:grpSpPr>
+        <p:sp>
+          <p:nvSpPr>
+            <p:cNvPr name="Freeform 3" id="3"/>
+            <p:cNvSpPr/>
+            <p:nvPr/>
+          </p:nvSpPr>
+          <p:spPr>
+            <a:xfrm flipH="false" flipV="false" rot="0">
+              <a:off x="0" y="0"/>
+              <a:ext cx="4816592" cy="97378"/>
+            </a:xfrm>
+            <a:custGeom>
+              <a:avLst/>
+              <a:gdLst/>
+              <a:ahLst/>
+              <a:cxnLst/>
+              <a:rect r="r" b="b" t="t" l="l"/>
+              <a:pathLst>
+                <a:path h="97378" w="4816592">
+                  <a:moveTo>
+                    <a:pt x="0" y="0"/>
+                  </a:moveTo>
+                  <a:lnTo>
+                    <a:pt x="4816592" y="0"/>
+                  </a:lnTo>
+                  <a:lnTo>
+                    <a:pt x="4816592" y="97378"/>
+                  </a:lnTo>
+                  <a:lnTo>
+                    <a:pt x="0" y="97378"/>
+                  </a:lnTo>
+                  <a:close/>
+                </a:path>
+              </a:pathLst>
+            </a:custGeom>
+            <a:gradFill rotWithShape="true">
+              <a:gsLst>
+                <a:gs pos="0">
+                  <a:srgbClr val="000000">
+                    <a:alpha val="100000"/>
+                  </a:srgbClr>
+                </a:gs>
+                <a:gs pos="100000">
+                  <a:srgbClr val="12229D">
+                    <a:alpha val="100000"/>
+                  </a:srgbClr>
+                </a:gs>
+              </a:gsLst>
+              <a:lin ang="0"/>
+            </a:gradFill>
+          </p:spPr>
+        </p:sp>
+        <p:sp>
+          <p:nvSpPr>
+            <p:cNvPr name="TextBox 4" id="4"/>
+            <p:cNvSpPr txBox="true"/>
+            <p:nvPr/>
+          </p:nvSpPr>
+          <p:spPr>
+            <a:xfrm>
+              <a:off x="0" y="-38100"/>
+              <a:ext cx="4816593" cy="135478"/>
+            </a:xfrm>
+            <a:prstGeom prst="rect">
+              <a:avLst/>
+            </a:prstGeom>
+          </p:spPr>
+          <p:txBody>
+            <a:bodyPr anchor="ctr" rtlCol="false" tIns="50800" lIns="50800" bIns="50800" rIns="50800"/>
+            <a:lstStyle/>
+            <a:p>
+              <a:pPr algn="ctr">
+                <a:lnSpc>
+                  <a:spcPts val="2659"/>
+                </a:lnSpc>
+              </a:pPr>
+            </a:p>
+          </p:txBody>
+        </p:sp>
+      </p:grpSp>
+      <p:grpSp>
+        <p:nvGrpSpPr>
+          <p:cNvPr name="Group 5" id="5"/>
+          <p:cNvGrpSpPr/>
+          <p:nvPr/>
+        </p:nvGrpSpPr>
+        <p:grpSpPr>
+          <a:xfrm rot="-5400000">
+            <a:off x="13144500" y="4958634"/>
+            <a:ext cx="9917268" cy="369732"/>
+            <a:chOff x="0" y="0"/>
+            <a:chExt cx="2611955" cy="97378"/>
+          </a:xfrm>
+        </p:grpSpPr>
+        <p:sp>
+          <p:nvSpPr>
+            <p:cNvPr name="Freeform 6" id="6"/>
+            <p:cNvSpPr/>
+            <p:nvPr/>
+          </p:nvSpPr>
+          <p:spPr>
+            <a:xfrm flipH="false" flipV="false" rot="0">
+              <a:off x="0" y="0"/>
+              <a:ext cx="2611955" cy="97378"/>
+            </a:xfrm>
+            <a:custGeom>
+              <a:avLst/>
+              <a:gdLst/>
+              <a:ahLst/>
+              <a:cxnLst/>
+              <a:rect r="r" b="b" t="t" l="l"/>
+              <a:pathLst>
+                <a:path h="97378" w="2611955">
+                  <a:moveTo>
+                    <a:pt x="0" y="0"/>
+                  </a:moveTo>
+                  <a:lnTo>
+                    <a:pt x="2611955" y="0"/>
+                  </a:lnTo>
+                  <a:lnTo>
+                    <a:pt x="2611955" y="97378"/>
+                  </a:lnTo>
+                  <a:lnTo>
+                    <a:pt x="0" y="97378"/>
+                  </a:lnTo>
+                  <a:close/>
+                </a:path>
+              </a:pathLst>
+            </a:custGeom>
+            <a:gradFill rotWithShape="true">
+              <a:gsLst>
+                <a:gs pos="0">
+                  <a:srgbClr val="000000">
+                    <a:alpha val="100000"/>
+                  </a:srgbClr>
+                </a:gs>
+                <a:gs pos="100000">
+                  <a:srgbClr val="12229D">
+                    <a:alpha val="100000"/>
+                  </a:srgbClr>
+                </a:gs>
+              </a:gsLst>
+              <a:lin ang="0"/>
+            </a:gradFill>
+          </p:spPr>
+        </p:sp>
+        <p:sp>
+          <p:nvSpPr>
+            <p:cNvPr name="TextBox 7" id="7"/>
+            <p:cNvSpPr txBox="true"/>
+            <p:nvPr/>
+          </p:nvSpPr>
+          <p:spPr>
+            <a:xfrm>
+              <a:off x="0" y="-38100"/>
+              <a:ext cx="2611955" cy="135478"/>
+            </a:xfrm>
+            <a:prstGeom prst="rect">
+              <a:avLst/>
+            </a:prstGeom>
+          </p:spPr>
+          <p:txBody>
+            <a:bodyPr anchor="ctr" rtlCol="false" tIns="50800" lIns="50800" bIns="50800" rIns="50800"/>
+            <a:lstStyle/>
+            <a:p>
+              <a:pPr algn="ctr">
+                <a:lnSpc>
+                  <a:spcPts val="2659"/>
+                </a:lnSpc>
+              </a:pPr>
+            </a:p>
+          </p:txBody>
+        </p:sp>
+      </p:grpSp>
+      <p:grpSp>
+        <p:nvGrpSpPr>
+          <p:cNvPr name="Group 8" id="8"/>
+          <p:cNvGrpSpPr/>
+          <p:nvPr/>
+        </p:nvGrpSpPr>
+        <p:grpSpPr>
+          <a:xfrm rot="0">
+            <a:off x="0" y="0"/>
+            <a:ext cx="18288000" cy="369732"/>
+            <a:chOff x="0" y="0"/>
+            <a:chExt cx="4816593" cy="97378"/>
+          </a:xfrm>
+        </p:grpSpPr>
+        <p:sp>
+          <p:nvSpPr>
+            <p:cNvPr name="Freeform 9" id="9"/>
+            <p:cNvSpPr/>
+            <p:nvPr/>
+          </p:nvSpPr>
+          <p:spPr>
+            <a:xfrm flipH="false" flipV="false" rot="0">
+              <a:off x="0" y="0"/>
+              <a:ext cx="4816592" cy="97378"/>
+            </a:xfrm>
+            <a:custGeom>
+              <a:avLst/>
+              <a:gdLst/>
+              <a:ahLst/>
+              <a:cxnLst/>
+              <a:rect r="r" b="b" t="t" l="l"/>
+              <a:pathLst>
+                <a:path h="97378" w="4816592">
+                  <a:moveTo>
+                    <a:pt x="0" y="0"/>
+                  </a:moveTo>
+                  <a:lnTo>
+                    <a:pt x="4816592" y="0"/>
+                  </a:lnTo>
+                  <a:lnTo>
+                    <a:pt x="4816592" y="97378"/>
+                  </a:lnTo>
+                  <a:lnTo>
+                    <a:pt x="0" y="97378"/>
+                  </a:lnTo>
+                  <a:close/>
+                </a:path>
+              </a:pathLst>
+            </a:custGeom>
+            <a:gradFill rotWithShape="true">
+              <a:gsLst>
+                <a:gs pos="0">
+                  <a:srgbClr val="000000">
+                    <a:alpha val="100000"/>
+                  </a:srgbClr>
+                </a:gs>
+                <a:gs pos="100000">
+                  <a:srgbClr val="12229D">
+                    <a:alpha val="100000"/>
+                  </a:srgbClr>
+                </a:gs>
+              </a:gsLst>
+              <a:lin ang="0"/>
+            </a:gradFill>
+          </p:spPr>
+        </p:sp>
+        <p:sp>
+          <p:nvSpPr>
+            <p:cNvPr name="TextBox 10" id="10"/>
+            <p:cNvSpPr txBox="true"/>
+            <p:nvPr/>
+          </p:nvSpPr>
+          <p:spPr>
+            <a:xfrm>
+              <a:off x="0" y="-38100"/>
+              <a:ext cx="4816593" cy="135478"/>
+            </a:xfrm>
+            <a:prstGeom prst="rect">
+              <a:avLst/>
+            </a:prstGeom>
+          </p:spPr>
+          <p:txBody>
+            <a:bodyPr anchor="ctr" rtlCol="false" tIns="50800" lIns="50800" bIns="50800" rIns="50800"/>
+            <a:lstStyle/>
+            <a:p>
+              <a:pPr algn="ctr">
+                <a:lnSpc>
+                  <a:spcPts val="2659"/>
+                </a:lnSpc>
+              </a:pPr>
+            </a:p>
+          </p:txBody>
+        </p:sp>
+      </p:grpSp>
+      <p:grpSp>
+        <p:nvGrpSpPr>
+          <p:cNvPr name="Group 11" id="11"/>
+          <p:cNvGrpSpPr/>
+          <p:nvPr/>
+        </p:nvGrpSpPr>
+        <p:grpSpPr>
+          <a:xfrm rot="5400000">
+            <a:off x="-4864458" y="4958634"/>
+            <a:ext cx="10102134" cy="369732"/>
+            <a:chOff x="0" y="0"/>
+            <a:chExt cx="2660644" cy="97378"/>
+          </a:xfrm>
+        </p:grpSpPr>
+        <p:sp>
+          <p:nvSpPr>
+            <p:cNvPr name="Freeform 12" id="12"/>
+            <p:cNvSpPr/>
+            <p:nvPr/>
+          </p:nvSpPr>
+          <p:spPr>
+            <a:xfrm flipH="false" flipV="false" rot="0">
+              <a:off x="0" y="0"/>
+              <a:ext cx="2660644" cy="97378"/>
+            </a:xfrm>
+            <a:custGeom>
+              <a:avLst/>
+              <a:gdLst/>
+              <a:ahLst/>
+              <a:cxnLst/>
+              <a:rect r="r" b="b" t="t" l="l"/>
+              <a:pathLst>
+                <a:path h="97378" w="2660644">
+                  <a:moveTo>
+                    <a:pt x="0" y="0"/>
+                  </a:moveTo>
+                  <a:lnTo>
+                    <a:pt x="2660644" y="0"/>
+                  </a:lnTo>
+                  <a:lnTo>
+                    <a:pt x="2660644" y="97378"/>
+                  </a:lnTo>
+                  <a:lnTo>
+                    <a:pt x="0" y="97378"/>
+                  </a:lnTo>
+                  <a:close/>
+                </a:path>
+              </a:pathLst>
+            </a:custGeom>
+            <a:gradFill rotWithShape="true">
+              <a:gsLst>
+                <a:gs pos="0">
+                  <a:srgbClr val="000000">
+                    <a:alpha val="100000"/>
+                  </a:srgbClr>
+                </a:gs>
+                <a:gs pos="100000">
+                  <a:srgbClr val="12229D">
+                    <a:alpha val="100000"/>
+                  </a:srgbClr>
+                </a:gs>
+              </a:gsLst>
+              <a:lin ang="0"/>
+            </a:gradFill>
+          </p:spPr>
+        </p:sp>
+        <p:sp>
+          <p:nvSpPr>
+            <p:cNvPr name="TextBox 13" id="13"/>
+            <p:cNvSpPr txBox="true"/>
+            <p:nvPr/>
+          </p:nvSpPr>
+          <p:spPr>
+            <a:xfrm>
+              <a:off x="0" y="-38100"/>
+              <a:ext cx="2660644" cy="135478"/>
+            </a:xfrm>
+            <a:prstGeom prst="rect">
+              <a:avLst/>
+            </a:prstGeom>
+          </p:spPr>
+          <p:txBody>
+            <a:bodyPr anchor="ctr" rtlCol="false" tIns="50800" lIns="50800" bIns="50800" rIns="50800"/>
+            <a:lstStyle/>
+            <a:p>
+              <a:pPr algn="ctr">
+                <a:lnSpc>
+                  <a:spcPts val="2659"/>
+                </a:lnSpc>
+              </a:pPr>
+            </a:p>
+          </p:txBody>
+        </p:sp>
+      </p:grpSp>
+      <p:sp>
+        <p:nvSpPr>
+          <p:cNvPr name="Freeform 14" id="14"/>
+          <p:cNvSpPr/>
+          <p:nvPr/>
+        </p:nvSpPr>
+        <p:spPr>
+          <a:xfrm flipH="false" flipV="false" rot="0">
+            <a:off x="2982478" y="2494020"/>
+            <a:ext cx="12323045" cy="6764280"/>
+          </a:xfrm>
+          <a:custGeom>
+            <a:avLst/>
+            <a:gdLst/>
+            <a:ahLst/>
+            <a:cxnLst/>
+            <a:rect r="r" b="b" t="t" l="l"/>
+            <a:pathLst>
+              <a:path h="6764280" w="12323045">
+                <a:moveTo>
+                  <a:pt x="0" y="0"/>
+                </a:moveTo>
+                <a:lnTo>
+                  <a:pt x="12323044" y="0"/>
+                </a:lnTo>
+                <a:lnTo>
+                  <a:pt x="12323044" y="6764280"/>
+                </a:lnTo>
+                <a:lnTo>
+                  <a:pt x="0" y="6764280"/>
+                </a:lnTo>
+                <a:lnTo>
+                  <a:pt x="0" y="0"/>
+                </a:lnTo>
+                <a:close/>
+              </a:path>
+            </a:pathLst>
+          </a:custGeom>
+          <a:blipFill>
+            <a:blip r:embed="rId2"/>
+            <a:stretch>
+              <a:fillRect l="0" t="0" r="0" b="0"/>
+            </a:stretch>
+          </a:blipFill>
+        </p:spPr>
+      </p:sp>
+      <p:sp>
+        <p:nvSpPr>
+          <p:cNvPr name="TextBox 15" id="15"/>
+          <p:cNvSpPr txBox="true"/>
+          <p:nvPr/>
+        </p:nvSpPr>
+        <p:spPr>
+          <a:xfrm rot="0">
+            <a:off x="5193434" y="1190625"/>
+            <a:ext cx="7901132" cy="922031"/>
+          </a:xfrm>
+          <a:prstGeom prst="rect">
+            <a:avLst/>
+          </a:prstGeom>
+        </p:spPr>
+        <p:txBody>
+          <a:bodyPr anchor="t" rtlCol="false" tIns="0" lIns="0" bIns="0" rIns="0">
+            <a:spAutoFit/>
+          </a:bodyPr>
+          <a:lstStyle/>
+          <a:p>
+            <a:pPr algn="l">
+              <a:lnSpc>
+                <a:spcPts val="6840"/>
+              </a:lnSpc>
+            </a:pPr>
+            <a:r>
+              <a:rPr lang="en-US" sz="7125" b="true">
+                <a:solidFill>
+                  <a:srgbClr val="840B84"/>
+                </a:solidFill>
+                <a:latin typeface="Open Sauce Bold"/>
+                <a:ea typeface="Open Sauce Bold"/>
+                <a:cs typeface="Open Sauce Bold"/>
+                <a:sym typeface="Open Sauce Bold"/>
+              </a:rPr>
+              <a:t>Package </a:t>
+            </a:r>
+            <a:r>
+              <a:rPr lang="en-US" sz="7125" b="true">
+                <a:solidFill>
+                  <a:srgbClr val="000000"/>
+                </a:solidFill>
+                <a:latin typeface="Open Sauce Bold"/>
+                <a:ea typeface="Open Sauce Bold"/>
+                <a:cs typeface="Open Sauce Bold"/>
+                <a:sym typeface="Open Sauce Bold"/>
+              </a:rPr>
+              <a:t>Diagram</a:t>
+            </a:r>
+          </a:p>
+        </p:txBody>
+      </p:sp>
+    </p:spTree>
+  </p:cSld>
+  <p:clrMapOvr>
+    <a:masterClrMapping/>
+  </p:clrMapOvr>
+</p:sld>
+</file>
+
+<file path=ppt/slides/slide11.xml><?xml version="1.0" encoding="utf-8"?>
+<p:sld xmlns:p="http://schemas.openxmlformats.org/presentationml/2006/main" xmlns:a="http://schemas.openxmlformats.org/drawingml/2006/main" xmlns:r="http://schemas.openxmlformats.org/officeDocument/2006/relationships">
+  <p:cSld>
+    <p:spTree>
+      <p:nvGrpSpPr>
+        <p:cNvPr id="1" name=""/>
+        <p:cNvGrpSpPr/>
+        <p:nvPr/>
+      </p:nvGrpSpPr>
+      <p:grpSpPr>
+        <a:xfrm>
+          <a:off x="0" y="0"/>
+          <a:ext cx="0" cy="0"/>
+          <a:chOff x="0" y="0"/>
+          <a:chExt cx="0" cy="0"/>
+        </a:xfrm>
+      </p:grpSpPr>
+      <p:grpSp>
+        <p:nvGrpSpPr>
+          <p:cNvPr name="Group 2" id="2"/>
+          <p:cNvGrpSpPr/>
+          <p:nvPr/>
+        </p:nvGrpSpPr>
+        <p:grpSpPr>
+          <a:xfrm rot="-10800000">
+            <a:off x="0" y="9917268"/>
+            <a:ext cx="18288000" cy="369732"/>
+            <a:chOff x="0" y="0"/>
+            <a:chExt cx="4816593" cy="97378"/>
+          </a:xfrm>
+        </p:grpSpPr>
+        <p:sp>
+          <p:nvSpPr>
+            <p:cNvPr name="Freeform 3" id="3"/>
+            <p:cNvSpPr/>
+            <p:nvPr/>
+          </p:nvSpPr>
+          <p:spPr>
+            <a:xfrm flipH="false" flipV="false" rot="0">
+              <a:off x="0" y="0"/>
+              <a:ext cx="4816592" cy="97378"/>
+            </a:xfrm>
+            <a:custGeom>
+              <a:avLst/>
+              <a:gdLst/>
+              <a:ahLst/>
+              <a:cxnLst/>
+              <a:rect r="r" b="b" t="t" l="l"/>
+              <a:pathLst>
+                <a:path h="97378" w="4816592">
+                  <a:moveTo>
+                    <a:pt x="0" y="0"/>
+                  </a:moveTo>
+                  <a:lnTo>
+                    <a:pt x="4816592" y="0"/>
+                  </a:lnTo>
+                  <a:lnTo>
+                    <a:pt x="4816592" y="97378"/>
+                  </a:lnTo>
+                  <a:lnTo>
+                    <a:pt x="0" y="97378"/>
+                  </a:lnTo>
+                  <a:close/>
+                </a:path>
+              </a:pathLst>
+            </a:custGeom>
+            <a:gradFill rotWithShape="true">
+              <a:gsLst>
+                <a:gs pos="0">
+                  <a:srgbClr val="000000">
+                    <a:alpha val="100000"/>
+                  </a:srgbClr>
+                </a:gs>
+                <a:gs pos="100000">
+                  <a:srgbClr val="12229D">
+                    <a:alpha val="100000"/>
+                  </a:srgbClr>
+                </a:gs>
+              </a:gsLst>
+              <a:lin ang="0"/>
+            </a:gradFill>
+          </p:spPr>
+        </p:sp>
+        <p:sp>
+          <p:nvSpPr>
+            <p:cNvPr name="TextBox 4" id="4"/>
+            <p:cNvSpPr txBox="true"/>
+            <p:nvPr/>
+          </p:nvSpPr>
+          <p:spPr>
+            <a:xfrm>
+              <a:off x="0" y="-38100"/>
+              <a:ext cx="4816593" cy="135478"/>
+            </a:xfrm>
+            <a:prstGeom prst="rect">
+              <a:avLst/>
+            </a:prstGeom>
+          </p:spPr>
+          <p:txBody>
+            <a:bodyPr anchor="ctr" rtlCol="false" tIns="50800" lIns="50800" bIns="50800" rIns="50800"/>
+            <a:lstStyle/>
+            <a:p>
+              <a:pPr algn="ctr">
+                <a:lnSpc>
+                  <a:spcPts val="2659"/>
+                </a:lnSpc>
+              </a:pPr>
+            </a:p>
+          </p:txBody>
+        </p:sp>
+      </p:grpSp>
+      <p:grpSp>
+        <p:nvGrpSpPr>
+          <p:cNvPr name="Group 5" id="5"/>
+          <p:cNvGrpSpPr/>
+          <p:nvPr/>
+        </p:nvGrpSpPr>
+        <p:grpSpPr>
+          <a:xfrm rot="-5400000">
+            <a:off x="13144500" y="4958634"/>
+            <a:ext cx="9917268" cy="369732"/>
+            <a:chOff x="0" y="0"/>
+            <a:chExt cx="2611955" cy="97378"/>
+          </a:xfrm>
+        </p:grpSpPr>
+        <p:sp>
+          <p:nvSpPr>
+            <p:cNvPr name="Freeform 6" id="6"/>
+            <p:cNvSpPr/>
+            <p:nvPr/>
+          </p:nvSpPr>
+          <p:spPr>
+            <a:xfrm flipH="false" flipV="false" rot="0">
+              <a:off x="0" y="0"/>
+              <a:ext cx="2611955" cy="97378"/>
+            </a:xfrm>
+            <a:custGeom>
+              <a:avLst/>
+              <a:gdLst/>
+              <a:ahLst/>
+              <a:cxnLst/>
+              <a:rect r="r" b="b" t="t" l="l"/>
+              <a:pathLst>
+                <a:path h="97378" w="2611955">
+                  <a:moveTo>
+                    <a:pt x="0" y="0"/>
+                  </a:moveTo>
+                  <a:lnTo>
+                    <a:pt x="2611955" y="0"/>
+                  </a:lnTo>
+                  <a:lnTo>
+                    <a:pt x="2611955" y="97378"/>
+                  </a:lnTo>
+                  <a:lnTo>
+                    <a:pt x="0" y="97378"/>
+                  </a:lnTo>
+                  <a:close/>
+                </a:path>
+              </a:pathLst>
+            </a:custGeom>
+            <a:gradFill rotWithShape="true">
+              <a:gsLst>
+                <a:gs pos="0">
+                  <a:srgbClr val="000000">
+                    <a:alpha val="100000"/>
+                  </a:srgbClr>
+                </a:gs>
+                <a:gs pos="100000">
+                  <a:srgbClr val="12229D">
+                    <a:alpha val="100000"/>
+                  </a:srgbClr>
+                </a:gs>
+              </a:gsLst>
+              <a:lin ang="0"/>
+            </a:gradFill>
+          </p:spPr>
+        </p:sp>
+        <p:sp>
+          <p:nvSpPr>
+            <p:cNvPr name="TextBox 7" id="7"/>
+            <p:cNvSpPr txBox="true"/>
+            <p:nvPr/>
+          </p:nvSpPr>
+          <p:spPr>
+            <a:xfrm>
+              <a:off x="0" y="-38100"/>
+              <a:ext cx="2611955" cy="135478"/>
+            </a:xfrm>
+            <a:prstGeom prst="rect">
+              <a:avLst/>
+            </a:prstGeom>
+          </p:spPr>
+          <p:txBody>
+            <a:bodyPr anchor="ctr" rtlCol="false" tIns="50800" lIns="50800" bIns="50800" rIns="50800"/>
+            <a:lstStyle/>
+            <a:p>
+              <a:pPr algn="ctr">
+                <a:lnSpc>
+                  <a:spcPts val="2659"/>
+                </a:lnSpc>
+              </a:pPr>
+            </a:p>
+          </p:txBody>
+        </p:sp>
+      </p:grpSp>
+      <p:grpSp>
+        <p:nvGrpSpPr>
+          <p:cNvPr name="Group 8" id="8"/>
+          <p:cNvGrpSpPr/>
+          <p:nvPr/>
+        </p:nvGrpSpPr>
+        <p:grpSpPr>
+          <a:xfrm rot="0">
+            <a:off x="0" y="0"/>
+            <a:ext cx="18288000" cy="369732"/>
+            <a:chOff x="0" y="0"/>
+            <a:chExt cx="4816593" cy="97378"/>
+          </a:xfrm>
+        </p:grpSpPr>
+        <p:sp>
+          <p:nvSpPr>
+            <p:cNvPr name="Freeform 9" id="9"/>
+            <p:cNvSpPr/>
+            <p:nvPr/>
+          </p:nvSpPr>
+          <p:spPr>
+            <a:xfrm flipH="false" flipV="false" rot="0">
+              <a:off x="0" y="0"/>
+              <a:ext cx="4816592" cy="97378"/>
+            </a:xfrm>
+            <a:custGeom>
+              <a:avLst/>
+              <a:gdLst/>
+              <a:ahLst/>
+              <a:cxnLst/>
+              <a:rect r="r" b="b" t="t" l="l"/>
+              <a:pathLst>
+                <a:path h="97378" w="4816592">
+                  <a:moveTo>
+                    <a:pt x="0" y="0"/>
+                  </a:moveTo>
+                  <a:lnTo>
+                    <a:pt x="4816592" y="0"/>
+                  </a:lnTo>
+                  <a:lnTo>
+                    <a:pt x="4816592" y="97378"/>
+                  </a:lnTo>
+                  <a:lnTo>
+                    <a:pt x="0" y="97378"/>
+                  </a:lnTo>
+                  <a:close/>
+                </a:path>
+              </a:pathLst>
+            </a:custGeom>
+            <a:gradFill rotWithShape="true">
+              <a:gsLst>
+                <a:gs pos="0">
+                  <a:srgbClr val="000000">
+                    <a:alpha val="100000"/>
+                  </a:srgbClr>
+                </a:gs>
+                <a:gs pos="100000">
+                  <a:srgbClr val="12229D">
+                    <a:alpha val="100000"/>
+                  </a:srgbClr>
+                </a:gs>
+              </a:gsLst>
+              <a:lin ang="0"/>
+            </a:gradFill>
+          </p:spPr>
+        </p:sp>
+        <p:sp>
+          <p:nvSpPr>
+            <p:cNvPr name="TextBox 10" id="10"/>
+            <p:cNvSpPr txBox="true"/>
+            <p:nvPr/>
+          </p:nvSpPr>
+          <p:spPr>
+            <a:xfrm>
+              <a:off x="0" y="-38100"/>
+              <a:ext cx="4816593" cy="135478"/>
+            </a:xfrm>
+            <a:prstGeom prst="rect">
+              <a:avLst/>
+            </a:prstGeom>
+          </p:spPr>
+          <p:txBody>
+            <a:bodyPr anchor="ctr" rtlCol="false" tIns="50800" lIns="50800" bIns="50800" rIns="50800"/>
+            <a:lstStyle/>
+            <a:p>
+              <a:pPr algn="ctr">
+                <a:lnSpc>
+                  <a:spcPts val="2659"/>
+                </a:lnSpc>
+              </a:pPr>
+            </a:p>
+          </p:txBody>
+        </p:sp>
+      </p:grpSp>
+      <p:grpSp>
+        <p:nvGrpSpPr>
+          <p:cNvPr name="Group 11" id="11"/>
+          <p:cNvGrpSpPr/>
+          <p:nvPr/>
+        </p:nvGrpSpPr>
+        <p:grpSpPr>
+          <a:xfrm rot="5400000">
+            <a:off x="-4864458" y="4958634"/>
+            <a:ext cx="10102134" cy="369732"/>
+            <a:chOff x="0" y="0"/>
+            <a:chExt cx="2660644" cy="97378"/>
+          </a:xfrm>
+        </p:grpSpPr>
+        <p:sp>
+          <p:nvSpPr>
+            <p:cNvPr name="Freeform 12" id="12"/>
+            <p:cNvSpPr/>
+            <p:nvPr/>
+          </p:nvSpPr>
+          <p:spPr>
+            <a:xfrm flipH="false" flipV="false" rot="0">
+              <a:off x="0" y="0"/>
+              <a:ext cx="2660644" cy="97378"/>
+            </a:xfrm>
+            <a:custGeom>
+              <a:avLst/>
+              <a:gdLst/>
+              <a:ahLst/>
+              <a:cxnLst/>
+              <a:rect r="r" b="b" t="t" l="l"/>
+              <a:pathLst>
+                <a:path h="97378" w="2660644">
+                  <a:moveTo>
+                    <a:pt x="0" y="0"/>
+                  </a:moveTo>
+                  <a:lnTo>
+                    <a:pt x="2660644" y="0"/>
+                  </a:lnTo>
+                  <a:lnTo>
+                    <a:pt x="2660644" y="97378"/>
+                  </a:lnTo>
+                  <a:lnTo>
+                    <a:pt x="0" y="97378"/>
+                  </a:lnTo>
+                  <a:close/>
+                </a:path>
+              </a:pathLst>
+            </a:custGeom>
+            <a:gradFill rotWithShape="true">
+              <a:gsLst>
+                <a:gs pos="0">
+                  <a:srgbClr val="000000">
+                    <a:alpha val="100000"/>
+                  </a:srgbClr>
+                </a:gs>
+                <a:gs pos="100000">
+                  <a:srgbClr val="12229D">
+                    <a:alpha val="100000"/>
+                  </a:srgbClr>
+                </a:gs>
+              </a:gsLst>
+              <a:lin ang="0"/>
+            </a:gradFill>
+          </p:spPr>
+        </p:sp>
+        <p:sp>
+          <p:nvSpPr>
+            <p:cNvPr name="TextBox 13" id="13"/>
+            <p:cNvSpPr txBox="true"/>
+            <p:nvPr/>
+          </p:nvSpPr>
+          <p:spPr>
+            <a:xfrm>
+              <a:off x="0" y="-38100"/>
+              <a:ext cx="2660644" cy="135478"/>
+            </a:xfrm>
+            <a:prstGeom prst="rect">
+              <a:avLst/>
+            </a:prstGeom>
+          </p:spPr>
+          <p:txBody>
+            <a:bodyPr anchor="ctr" rtlCol="false" tIns="50800" lIns="50800" bIns="50800" rIns="50800"/>
+            <a:lstStyle/>
+            <a:p>
+              <a:pPr algn="ctr">
+                <a:lnSpc>
+                  <a:spcPts val="2659"/>
+                </a:lnSpc>
+              </a:pPr>
+            </a:p>
+          </p:txBody>
+        </p:sp>
+      </p:grpSp>
+      <p:sp>
+        <p:nvSpPr>
+          <p:cNvPr name="Freeform 14" id="14"/>
+          <p:cNvSpPr/>
+          <p:nvPr/>
+        </p:nvSpPr>
+        <p:spPr>
+          <a:xfrm flipH="false" flipV="false" rot="0">
+            <a:off x="2950578" y="2232848"/>
+            <a:ext cx="12386844" cy="6858253"/>
+          </a:xfrm>
+          <a:custGeom>
+            <a:avLst/>
+            <a:gdLst/>
+            <a:ahLst/>
+            <a:cxnLst/>
+            <a:rect r="r" b="b" t="t" l="l"/>
+            <a:pathLst>
+              <a:path h="6858253" w="12386844">
+                <a:moveTo>
+                  <a:pt x="0" y="0"/>
+                </a:moveTo>
+                <a:lnTo>
+                  <a:pt x="12386844" y="0"/>
+                </a:lnTo>
+                <a:lnTo>
+                  <a:pt x="12386844" y="6858252"/>
+                </a:lnTo>
+                <a:lnTo>
+                  <a:pt x="0" y="6858252"/>
+                </a:lnTo>
+                <a:lnTo>
+                  <a:pt x="0" y="0"/>
+                </a:lnTo>
+                <a:close/>
+              </a:path>
+            </a:pathLst>
+          </a:custGeom>
+          <a:blipFill>
+            <a:blip r:embed="rId2"/>
+            <a:stretch>
+              <a:fillRect l="0" t="0" r="0" b="0"/>
+            </a:stretch>
+          </a:blipFill>
+        </p:spPr>
+      </p:sp>
+      <p:sp>
+        <p:nvSpPr>
+          <p:cNvPr name="TextBox 15" id="15"/>
+          <p:cNvSpPr txBox="true"/>
+          <p:nvPr/>
+        </p:nvSpPr>
+        <p:spPr>
+          <a:xfrm rot="0">
+            <a:off x="4518051" y="995043"/>
+            <a:ext cx="9251898" cy="922031"/>
+          </a:xfrm>
+          <a:prstGeom prst="rect">
+            <a:avLst/>
+          </a:prstGeom>
+        </p:spPr>
+        <p:txBody>
+          <a:bodyPr anchor="t" rtlCol="false" tIns="0" lIns="0" bIns="0" rIns="0">
+            <a:spAutoFit/>
+          </a:bodyPr>
+          <a:lstStyle/>
+          <a:p>
+            <a:pPr algn="l">
+              <a:lnSpc>
+                <a:spcPts val="6840"/>
+              </a:lnSpc>
+            </a:pPr>
+            <a:r>
+              <a:rPr lang="en-US" sz="7125" b="true">
+                <a:solidFill>
+                  <a:srgbClr val="840B84"/>
+                </a:solidFill>
+                <a:latin typeface="Open Sauce Bold"/>
+                <a:ea typeface="Open Sauce Bold"/>
+                <a:cs typeface="Open Sauce Bold"/>
+                <a:sym typeface="Open Sauce Bold"/>
+              </a:rPr>
+              <a:t>Component </a:t>
+            </a:r>
+            <a:r>
+              <a:rPr lang="en-US" sz="7125" b="true">
+                <a:solidFill>
+                  <a:srgbClr val="000000"/>
+                </a:solidFill>
+                <a:latin typeface="Open Sauce Bold"/>
+                <a:ea typeface="Open Sauce Bold"/>
+                <a:cs typeface="Open Sauce Bold"/>
+                <a:sym typeface="Open Sauce Bold"/>
+              </a:rPr>
+              <a:t>Diagram</a:t>
+            </a:r>
+          </a:p>
+        </p:txBody>
+      </p:sp>
+    </p:spTree>
+  </p:cSld>
+  <p:clrMapOvr>
+    <a:masterClrMapping/>
+  </p:clrMapOvr>
+</p:sld>
+</file>
+
+<file path=ppt/slides/slide12.xml><?xml version="1.0" encoding="utf-8"?>
+<p:sld xmlns:p="http://schemas.openxmlformats.org/presentationml/2006/main" xmlns:a="http://schemas.openxmlformats.org/drawingml/2006/main">
+  <p:cSld>
+    <p:spTree>
+      <p:nvGrpSpPr>
+        <p:cNvPr id="1" name=""/>
+        <p:cNvGrpSpPr/>
+        <p:nvPr/>
+      </p:nvGrpSpPr>
+      <p:grpSpPr>
+        <a:xfrm>
+          <a:off x="0" y="0"/>
+          <a:ext cx="0" cy="0"/>
+          <a:chOff x="0" y="0"/>
+          <a:chExt cx="0" cy="0"/>
+        </a:xfrm>
+      </p:grpSpPr>
+      <p:grpSp>
+        <p:nvGrpSpPr>
+          <p:cNvPr name="Group 2" id="2"/>
+          <p:cNvGrpSpPr/>
+          <p:nvPr/>
+        </p:nvGrpSpPr>
+        <p:grpSpPr>
+          <a:xfrm rot="-5400000">
+            <a:off x="13144500" y="4958634"/>
+            <a:ext cx="9917268" cy="369732"/>
+            <a:chOff x="0" y="0"/>
+            <a:chExt cx="2611955" cy="97378"/>
+          </a:xfrm>
+        </p:grpSpPr>
+        <p:sp>
+          <p:nvSpPr>
+            <p:cNvPr name="Freeform 3" id="3"/>
+            <p:cNvSpPr/>
+            <p:nvPr/>
+          </p:nvSpPr>
+          <p:spPr>
+            <a:xfrm flipH="false" flipV="false" rot="0">
+              <a:off x="0" y="0"/>
+              <a:ext cx="2611955" cy="97378"/>
+            </a:xfrm>
+            <a:custGeom>
+              <a:avLst/>
+              <a:gdLst/>
+              <a:ahLst/>
+              <a:cxnLst/>
+              <a:rect r="r" b="b" t="t" l="l"/>
+              <a:pathLst>
+                <a:path h="97378" w="2611955">
+                  <a:moveTo>
+                    <a:pt x="0" y="0"/>
+                  </a:moveTo>
+                  <a:lnTo>
+                    <a:pt x="2611955" y="0"/>
+                  </a:lnTo>
+                  <a:lnTo>
+                    <a:pt x="2611955" y="97378"/>
+                  </a:lnTo>
+                  <a:lnTo>
+                    <a:pt x="0" y="97378"/>
+                  </a:lnTo>
+                  <a:close/>
+                </a:path>
+              </a:pathLst>
+            </a:custGeom>
+            <a:gradFill rotWithShape="true">
+              <a:gsLst>
+                <a:gs pos="0">
+                  <a:srgbClr val="000000">
+                    <a:alpha val="100000"/>
+                  </a:srgbClr>
+                </a:gs>
+                <a:gs pos="100000">
+                  <a:srgbClr val="12229D">
+                    <a:alpha val="100000"/>
+                  </a:srgbClr>
+                </a:gs>
+              </a:gsLst>
+              <a:lin ang="0"/>
+            </a:gradFill>
+          </p:spPr>
+        </p:sp>
+        <p:sp>
+          <p:nvSpPr>
+            <p:cNvPr name="TextBox 4" id="4"/>
+            <p:cNvSpPr txBox="true"/>
+            <p:nvPr/>
+          </p:nvSpPr>
+          <p:spPr>
+            <a:xfrm>
+              <a:off x="0" y="-38100"/>
+              <a:ext cx="2611955" cy="135478"/>
+            </a:xfrm>
+            <a:prstGeom prst="rect">
+              <a:avLst/>
+            </a:prstGeom>
+          </p:spPr>
+          <p:txBody>
+            <a:bodyPr anchor="ctr" rtlCol="false" tIns="50800" lIns="50800" bIns="50800" rIns="50800"/>
+            <a:lstStyle/>
+            <a:p>
+              <a:pPr algn="ctr">
+                <a:lnSpc>
+                  <a:spcPts val="2659"/>
+                </a:lnSpc>
+              </a:pPr>
+            </a:p>
+          </p:txBody>
+        </p:sp>
+      </p:grpSp>
+      <p:grpSp>
+        <p:nvGrpSpPr>
+          <p:cNvPr name="Group 5" id="5"/>
+          <p:cNvGrpSpPr/>
+          <p:nvPr/>
+        </p:nvGrpSpPr>
+        <p:grpSpPr>
+          <a:xfrm rot="0">
+            <a:off x="0" y="0"/>
+            <a:ext cx="18288000" cy="369732"/>
+            <a:chOff x="0" y="0"/>
+            <a:chExt cx="4816593" cy="97378"/>
+          </a:xfrm>
+        </p:grpSpPr>
+        <p:sp>
+          <p:nvSpPr>
+            <p:cNvPr name="Freeform 6" id="6"/>
+            <p:cNvSpPr/>
+            <p:nvPr/>
+          </p:nvSpPr>
+          <p:spPr>
+            <a:xfrm flipH="false" flipV="false" rot="0">
+              <a:off x="0" y="0"/>
+              <a:ext cx="4816592" cy="97378"/>
+            </a:xfrm>
+            <a:custGeom>
+              <a:avLst/>
+              <a:gdLst/>
+              <a:ahLst/>
+              <a:cxnLst/>
+              <a:rect r="r" b="b" t="t" l="l"/>
+              <a:pathLst>
+                <a:path h="97378" w="4816592">
+                  <a:moveTo>
+                    <a:pt x="0" y="0"/>
+                  </a:moveTo>
+                  <a:lnTo>
+                    <a:pt x="4816592" y="0"/>
+                  </a:lnTo>
+                  <a:lnTo>
+                    <a:pt x="4816592" y="97378"/>
+                  </a:lnTo>
+                  <a:lnTo>
+                    <a:pt x="0" y="97378"/>
+                  </a:lnTo>
+                  <a:close/>
+                </a:path>
+              </a:pathLst>
+            </a:custGeom>
+            <a:gradFill rotWithShape="true">
+              <a:gsLst>
+                <a:gs pos="0">
+                  <a:srgbClr val="000000">
+                    <a:alpha val="100000"/>
+                  </a:srgbClr>
+                </a:gs>
+                <a:gs pos="100000">
+                  <a:srgbClr val="12229D">
+                    <a:alpha val="100000"/>
+                  </a:srgbClr>
+                </a:gs>
+              </a:gsLst>
+              <a:lin ang="0"/>
+            </a:gradFill>
+          </p:spPr>
+        </p:sp>
+        <p:sp>
+          <p:nvSpPr>
+            <p:cNvPr name="TextBox 7" id="7"/>
+            <p:cNvSpPr txBox="true"/>
+            <p:nvPr/>
+          </p:nvSpPr>
+          <p:spPr>
+            <a:xfrm>
+              <a:off x="0" y="-38100"/>
+              <a:ext cx="4816593" cy="135478"/>
+            </a:xfrm>
+            <a:prstGeom prst="rect">
+              <a:avLst/>
+            </a:prstGeom>
+          </p:spPr>
+          <p:txBody>
+            <a:bodyPr anchor="ctr" rtlCol="false" tIns="50800" lIns="50800" bIns="50800" rIns="50800"/>
+            <a:lstStyle/>
+            <a:p>
+              <a:pPr algn="ctr">
+                <a:lnSpc>
+                  <a:spcPts val="2659"/>
+                </a:lnSpc>
+              </a:pPr>
+            </a:p>
+          </p:txBody>
+        </p:sp>
+      </p:grpSp>
+      <p:grpSp>
+        <p:nvGrpSpPr>
+          <p:cNvPr name="Group 8" id="8"/>
+          <p:cNvGrpSpPr/>
+          <p:nvPr/>
+        </p:nvGrpSpPr>
+        <p:grpSpPr>
+          <a:xfrm rot="5400000">
+            <a:off x="-4864458" y="4958634"/>
+            <a:ext cx="10102134" cy="369732"/>
+            <a:chOff x="0" y="0"/>
+            <a:chExt cx="2660644" cy="97378"/>
+          </a:xfrm>
+        </p:grpSpPr>
+        <p:sp>
+          <p:nvSpPr>
+            <p:cNvPr name="Freeform 9" id="9"/>
+            <p:cNvSpPr/>
+            <p:nvPr/>
+          </p:nvSpPr>
+          <p:spPr>
+            <a:xfrm flipH="false" flipV="false" rot="0">
+              <a:off x="0" y="0"/>
+              <a:ext cx="2660644" cy="97378"/>
+            </a:xfrm>
+            <a:custGeom>
+              <a:avLst/>
+              <a:gdLst/>
+              <a:ahLst/>
+              <a:cxnLst/>
+              <a:rect r="r" b="b" t="t" l="l"/>
+              <a:pathLst>
+                <a:path h="97378" w="2660644">
+                  <a:moveTo>
+                    <a:pt x="0" y="0"/>
+                  </a:moveTo>
+                  <a:lnTo>
+                    <a:pt x="2660644" y="0"/>
+                  </a:lnTo>
+                  <a:lnTo>
+                    <a:pt x="2660644" y="97378"/>
+                  </a:lnTo>
+                  <a:lnTo>
+                    <a:pt x="0" y="97378"/>
+                  </a:lnTo>
+                  <a:close/>
+                </a:path>
+              </a:pathLst>
+            </a:custGeom>
+            <a:gradFill rotWithShape="true">
+              <a:gsLst>
+                <a:gs pos="0">
+                  <a:srgbClr val="000000">
+                    <a:alpha val="100000"/>
+                  </a:srgbClr>
+                </a:gs>
+                <a:gs pos="100000">
+                  <a:srgbClr val="12229D">
+                    <a:alpha val="100000"/>
+                  </a:srgbClr>
+                </a:gs>
+              </a:gsLst>
+              <a:lin ang="0"/>
+            </a:gradFill>
+          </p:spPr>
+        </p:sp>
+        <p:sp>
+          <p:nvSpPr>
+            <p:cNvPr name="TextBox 10" id="10"/>
+            <p:cNvSpPr txBox="true"/>
+            <p:nvPr/>
+          </p:nvSpPr>
+          <p:spPr>
+            <a:xfrm>
+              <a:off x="0" y="-38100"/>
+              <a:ext cx="2660644" cy="135478"/>
+            </a:xfrm>
+            <a:prstGeom prst="rect">
+              <a:avLst/>
+            </a:prstGeom>
+          </p:spPr>
+          <p:txBody>
+            <a:bodyPr anchor="ctr" rtlCol="false" tIns="50800" lIns="50800" bIns="50800" rIns="50800"/>
+            <a:lstStyle/>
+            <a:p>
+              <a:pPr algn="ctr">
+                <a:lnSpc>
+                  <a:spcPts val="2659"/>
+                </a:lnSpc>
+              </a:pPr>
+            </a:p>
+          </p:txBody>
+        </p:sp>
+      </p:grpSp>
+      <p:sp>
+        <p:nvSpPr>
+          <p:cNvPr name="TextBox 11" id="11"/>
+          <p:cNvSpPr txBox="true"/>
+          <p:nvPr/>
+        </p:nvSpPr>
+        <p:spPr>
+          <a:xfrm rot="0">
+            <a:off x="5834702" y="995043"/>
+            <a:ext cx="7205291" cy="922097"/>
+          </a:xfrm>
+          <a:prstGeom prst="rect">
+            <a:avLst/>
+          </a:prstGeom>
+        </p:spPr>
+        <p:txBody>
+          <a:bodyPr anchor="t" rtlCol="false" tIns="0" lIns="0" bIns="0" rIns="0">
+            <a:spAutoFit/>
+          </a:bodyPr>
+          <a:lstStyle/>
+          <a:p>
+            <a:pPr algn="l">
+              <a:lnSpc>
+                <a:spcPts val="6840"/>
+              </a:lnSpc>
+            </a:pPr>
+            <a:r>
+              <a:rPr lang="en-US" sz="7125" b="true">
+                <a:solidFill>
+                  <a:srgbClr val="840B84"/>
+                </a:solidFill>
+                <a:latin typeface="Open Sauce Bold"/>
+                <a:ea typeface="Open Sauce Bold"/>
+                <a:cs typeface="Open Sauce Bold"/>
+                <a:sym typeface="Open Sauce Bold"/>
+              </a:rPr>
+              <a:t>Design </a:t>
+            </a:r>
+            <a:r>
+              <a:rPr lang="en-US" sz="7125" b="true">
+                <a:solidFill>
+                  <a:srgbClr val="000000"/>
+                </a:solidFill>
+                <a:latin typeface="Open Sauce Bold"/>
+                <a:ea typeface="Open Sauce Bold"/>
+                <a:cs typeface="Open Sauce Bold"/>
+                <a:sym typeface="Open Sauce Bold"/>
+              </a:rPr>
+              <a:t>Patterns</a:t>
+            </a:r>
+          </a:p>
+        </p:txBody>
+      </p:sp>
+      <p:sp>
+        <p:nvSpPr>
+          <p:cNvPr name="TextBox 12" id="12"/>
+          <p:cNvSpPr txBox="true"/>
+          <p:nvPr/>
+        </p:nvSpPr>
+        <p:spPr>
+          <a:xfrm rot="0">
+            <a:off x="889017" y="2298140"/>
+            <a:ext cx="8854421" cy="3553090"/>
+          </a:xfrm>
+          <a:prstGeom prst="rect">
+            <a:avLst/>
+          </a:prstGeom>
+        </p:spPr>
+        <p:txBody>
+          <a:bodyPr anchor="t" rtlCol="false" tIns="0" lIns="0" bIns="0" rIns="0">
+            <a:spAutoFit/>
+          </a:bodyPr>
+          <a:lstStyle/>
+          <a:p>
+            <a:pPr algn="l" marL="1239533" indent="-619766" lvl="1">
+              <a:lnSpc>
+                <a:spcPts val="6889"/>
+              </a:lnSpc>
+              <a:buFont typeface="Arial"/>
+              <a:buChar char="•"/>
+            </a:pPr>
+            <a:r>
+              <a:rPr lang="en-US" sz="5741" spc="275">
+                <a:solidFill>
+                  <a:srgbClr val="000000"/>
+                </a:solidFill>
+                <a:latin typeface="Codec Pro"/>
+                <a:ea typeface="Codec Pro"/>
+                <a:cs typeface="Codec Pro"/>
+                <a:sym typeface="Codec Pro"/>
+              </a:rPr>
+              <a:t>High Cohesion</a:t>
+            </a:r>
+          </a:p>
+          <a:p>
+            <a:pPr algn="l" marL="1239533" indent="-619766" lvl="1">
+              <a:lnSpc>
+                <a:spcPts val="6889"/>
+              </a:lnSpc>
+              <a:buFont typeface="Arial"/>
+              <a:buChar char="•"/>
+            </a:pPr>
+            <a:r>
+              <a:rPr lang="en-US" sz="5741" spc="275">
+                <a:solidFill>
+                  <a:srgbClr val="000000"/>
+                </a:solidFill>
+                <a:latin typeface="Codec Pro"/>
+                <a:ea typeface="Codec Pro"/>
+                <a:cs typeface="Codec Pro"/>
+                <a:sym typeface="Codec Pro"/>
+              </a:rPr>
+              <a:t>Low Coupling</a:t>
+            </a:r>
+          </a:p>
+          <a:p>
+            <a:pPr algn="l" marL="1239533" indent="-619766" lvl="1">
+              <a:lnSpc>
+                <a:spcPts val="6889"/>
+              </a:lnSpc>
+              <a:buFont typeface="Arial"/>
+              <a:buChar char="•"/>
+            </a:pPr>
+            <a:r>
+              <a:rPr lang="en-US" sz="5741" spc="275">
+                <a:solidFill>
+                  <a:srgbClr val="000000"/>
+                </a:solidFill>
+                <a:latin typeface="Codec Pro"/>
+                <a:ea typeface="Codec Pro"/>
+                <a:cs typeface="Codec Pro"/>
+                <a:sym typeface="Codec Pro"/>
+              </a:rPr>
+              <a:t>Pure Fabrication</a:t>
+            </a:r>
+          </a:p>
+          <a:p>
+            <a:pPr algn="l" marL="1239533" indent="-619766" lvl="1">
+              <a:lnSpc>
+                <a:spcPts val="6889"/>
+              </a:lnSpc>
+              <a:buFont typeface="Arial"/>
+              <a:buChar char="•"/>
+            </a:pPr>
+            <a:r>
+              <a:rPr lang="en-US" sz="5741" spc="275">
+                <a:solidFill>
+                  <a:srgbClr val="000000"/>
+                </a:solidFill>
+                <a:latin typeface="Codec Pro"/>
+                <a:ea typeface="Codec Pro"/>
+                <a:cs typeface="Codec Pro"/>
+                <a:sym typeface="Codec Pro"/>
+              </a:rPr>
+              <a:t>Controller</a:t>
+            </a:r>
+          </a:p>
+        </p:txBody>
+      </p:sp>
+      <p:grpSp>
+        <p:nvGrpSpPr>
+          <p:cNvPr name="Group 13" id="13"/>
+          <p:cNvGrpSpPr/>
+          <p:nvPr/>
+        </p:nvGrpSpPr>
+        <p:grpSpPr>
+          <a:xfrm rot="-10800000">
+            <a:off x="0" y="9917268"/>
+            <a:ext cx="18288000" cy="369732"/>
+            <a:chOff x="0" y="0"/>
+            <a:chExt cx="4816593" cy="97378"/>
+          </a:xfrm>
+        </p:grpSpPr>
+        <p:sp>
+          <p:nvSpPr>
+            <p:cNvPr name="Freeform 14" id="14"/>
+            <p:cNvSpPr/>
+            <p:nvPr/>
+          </p:nvSpPr>
+          <p:spPr>
+            <a:xfrm flipH="false" flipV="false" rot="0">
+              <a:off x="0" y="0"/>
+              <a:ext cx="4816592" cy="97378"/>
+            </a:xfrm>
+            <a:custGeom>
+              <a:avLst/>
+              <a:gdLst/>
+              <a:ahLst/>
+              <a:cxnLst/>
+              <a:rect r="r" b="b" t="t" l="l"/>
+              <a:pathLst>
+                <a:path h="97378" w="4816592">
+                  <a:moveTo>
+                    <a:pt x="0" y="0"/>
+                  </a:moveTo>
+                  <a:lnTo>
+                    <a:pt x="4816592" y="0"/>
+                  </a:lnTo>
+                  <a:lnTo>
+                    <a:pt x="4816592" y="97378"/>
+                  </a:lnTo>
+                  <a:lnTo>
+                    <a:pt x="0" y="97378"/>
+                  </a:lnTo>
+                  <a:close/>
+                </a:path>
+              </a:pathLst>
+            </a:custGeom>
+            <a:gradFill rotWithShape="true">
+              <a:gsLst>
+                <a:gs pos="0">
+                  <a:srgbClr val="000000">
+                    <a:alpha val="100000"/>
+                  </a:srgbClr>
+                </a:gs>
+                <a:gs pos="100000">
+                  <a:srgbClr val="12229D">
+                    <a:alpha val="100000"/>
+                  </a:srgbClr>
+                </a:gs>
+              </a:gsLst>
+              <a:lin ang="0"/>
+            </a:gradFill>
+          </p:spPr>
+        </p:sp>
+        <p:sp>
+          <p:nvSpPr>
+            <p:cNvPr name="TextBox 15" id="15"/>
+            <p:cNvSpPr txBox="true"/>
+            <p:nvPr/>
+          </p:nvSpPr>
+          <p:spPr>
+            <a:xfrm>
+              <a:off x="0" y="-38100"/>
+              <a:ext cx="4816593" cy="135478"/>
+            </a:xfrm>
+            <a:prstGeom prst="rect">
+              <a:avLst/>
+            </a:prstGeom>
+          </p:spPr>
+          <p:txBody>
+            <a:bodyPr anchor="ctr" rtlCol="false" tIns="50800" lIns="50800" bIns="50800" rIns="50800"/>
+            <a:lstStyle/>
+            <a:p>
+              <a:pPr algn="ctr">
+                <a:lnSpc>
+                  <a:spcPts val="2659"/>
+                </a:lnSpc>
+              </a:pPr>
+            </a:p>
+          </p:txBody>
+        </p:sp>
+      </p:grpSp>
+    </p:spTree>
+  </p:cSld>
+  <p:clrMapOvr>
+    <a:masterClrMapping/>
+  </p:clrMapOvr>
+</p:sld>
+</file>
+
+<file path=ppt/slides/slide13.xml><?xml version="1.0" encoding="utf-8"?>
+<p:sld xmlns:p="http://schemas.openxmlformats.org/presentationml/2006/main" xmlns:a="http://schemas.openxmlformats.org/drawingml/2006/main" xmlns:r="http://schemas.openxmlformats.org/officeDocument/2006/relationships">
+  <p:cSld>
+    <p:spTree>
+      <p:nvGrpSpPr>
+        <p:cNvPr id="1" name=""/>
+        <p:cNvGrpSpPr/>
+        <p:nvPr/>
+      </p:nvGrpSpPr>
+      <p:grpSpPr>
+        <a:xfrm>
+          <a:off x="0" y="0"/>
+          <a:ext cx="0" cy="0"/>
+          <a:chOff x="0" y="0"/>
+          <a:chExt cx="0" cy="0"/>
+        </a:xfrm>
+      </p:grpSpPr>
+      <p:sp>
+        <p:nvSpPr>
+          <p:cNvPr name="Freeform 2" id="2"/>
+          <p:cNvSpPr/>
+          <p:nvPr/>
+        </p:nvSpPr>
+        <p:spPr>
+          <a:xfrm flipH="true" flipV="false" rot="0">
+            <a:off x="1028700" y="7686641"/>
+            <a:ext cx="1497362" cy="1571659"/>
+          </a:xfrm>
+          <a:custGeom>
+            <a:avLst/>
+            <a:gdLst/>
+            <a:ahLst/>
+            <a:cxnLst/>
+            <a:rect r="r" b="b" t="t" l="l"/>
+            <a:pathLst>
+              <a:path h="1571659" w="1497362">
+                <a:moveTo>
+                  <a:pt x="1497362" y="0"/>
+                </a:moveTo>
+                <a:lnTo>
+                  <a:pt x="0" y="0"/>
+                </a:lnTo>
+                <a:lnTo>
+                  <a:pt x="0" y="1571659"/>
+                </a:lnTo>
+                <a:lnTo>
+                  <a:pt x="1497362" y="1571659"/>
+                </a:lnTo>
+                <a:lnTo>
+                  <a:pt x="1497362" y="0"/>
+                </a:lnTo>
+                <a:close/>
+              </a:path>
+            </a:pathLst>
+          </a:custGeom>
+          <a:blipFill>
+            <a:blip r:embed="rId2">
+              <a:extLst>
+                <a:ext uri="{96DAC541-7B7A-43D3-8B79-37D633B846F1}">
+                  <asvg:svgBlip xmlns:asvg="http://schemas.microsoft.com/office/drawing/2016/SVG/main" r:embed="rId3"/>
+                </a:ext>
+              </a:extLst>
+            </a:blip>
+            <a:stretch>
+              <a:fillRect l="0" t="0" r="0" b="0"/>
+            </a:stretch>
+          </a:blipFill>
+        </p:spPr>
+      </p:sp>
+      <p:sp>
+        <p:nvSpPr>
+          <p:cNvPr name="Freeform 3" id="3"/>
+          <p:cNvSpPr/>
+          <p:nvPr/>
+        </p:nvSpPr>
+        <p:spPr>
+          <a:xfrm flipH="false" flipV="false" rot="0">
+            <a:off x="3341708" y="7267328"/>
+            <a:ext cx="2231046" cy="1220991"/>
+          </a:xfrm>
+          <a:custGeom>
+            <a:avLst/>
+            <a:gdLst/>
+            <a:ahLst/>
+            <a:cxnLst/>
+            <a:rect r="r" b="b" t="t" l="l"/>
+            <a:pathLst>
+              <a:path h="1220991" w="2231046">
+                <a:moveTo>
+                  <a:pt x="0" y="0"/>
+                </a:moveTo>
+                <a:lnTo>
+                  <a:pt x="2231046" y="0"/>
+                </a:lnTo>
+                <a:lnTo>
+                  <a:pt x="2231046" y="1220990"/>
+                </a:lnTo>
+                <a:lnTo>
+                  <a:pt x="0" y="1220990"/>
+                </a:lnTo>
+                <a:lnTo>
+                  <a:pt x="0" y="0"/>
+                </a:lnTo>
+                <a:close/>
+              </a:path>
+            </a:pathLst>
+          </a:custGeom>
+          <a:blipFill>
+            <a:blip r:embed="rId4">
+              <a:extLst>
+                <a:ext uri="{96DAC541-7B7A-43D3-8B79-37D633B846F1}">
+                  <asvg:svgBlip xmlns:asvg="http://schemas.microsoft.com/office/drawing/2016/SVG/main" r:embed="rId5"/>
+                </a:ext>
+              </a:extLst>
+            </a:blip>
+            <a:stretch>
+              <a:fillRect l="0" t="0" r="0" b="0"/>
+            </a:stretch>
+          </a:blipFill>
+        </p:spPr>
+      </p:sp>
+      <p:sp>
+        <p:nvSpPr>
+          <p:cNvPr name="AutoShape 4" id="4"/>
+          <p:cNvSpPr/>
+          <p:nvPr/>
+        </p:nvSpPr>
+        <p:spPr>
+          <a:xfrm flipV="true">
+            <a:off x="4413807" y="6340717"/>
+            <a:ext cx="872093" cy="0"/>
+          </a:xfrm>
+          <a:prstGeom prst="line">
+            <a:avLst/>
+          </a:prstGeom>
+          <a:ln cap="flat" w="38100">
+            <a:solidFill>
+              <a:srgbClr val="000000"/>
+            </a:solidFill>
+            <a:prstDash val="solid"/>
+            <a:headEnd type="none" len="sm" w="sm"/>
+            <a:tailEnd type="none" len="sm" w="sm"/>
+          </a:ln>
+        </p:spPr>
+      </p:sp>
+      <p:sp>
+        <p:nvSpPr>
+          <p:cNvPr name="AutoShape 5" id="5"/>
+          <p:cNvSpPr/>
+          <p:nvPr/>
+        </p:nvSpPr>
+        <p:spPr>
+          <a:xfrm flipV="true">
+            <a:off x="13002100" y="6378817"/>
+            <a:ext cx="872093" cy="0"/>
+          </a:xfrm>
+          <a:prstGeom prst="line">
+            <a:avLst/>
+          </a:prstGeom>
+          <a:ln cap="flat" w="38100">
+            <a:solidFill>
+              <a:srgbClr val="000000"/>
+            </a:solidFill>
+            <a:prstDash val="solid"/>
+            <a:headEnd type="none" len="sm" w="sm"/>
+            <a:tailEnd type="none" len="sm" w="sm"/>
+          </a:ln>
+        </p:spPr>
+      </p:sp>
+      <p:grpSp>
+        <p:nvGrpSpPr>
+          <p:cNvPr name="Group 6" id="6"/>
+          <p:cNvGrpSpPr/>
+          <p:nvPr/>
+        </p:nvGrpSpPr>
+        <p:grpSpPr>
+          <a:xfrm rot="0">
+            <a:off x="4200268" y="3864065"/>
+            <a:ext cx="9887464" cy="1741890"/>
+            <a:chOff x="0" y="0"/>
+            <a:chExt cx="1869074" cy="329278"/>
+          </a:xfrm>
+        </p:grpSpPr>
+        <p:sp>
+          <p:nvSpPr>
+            <p:cNvPr name="Freeform 7" id="7"/>
+            <p:cNvSpPr/>
+            <p:nvPr/>
+          </p:nvSpPr>
+          <p:spPr>
+            <a:xfrm flipH="false" flipV="false" rot="0">
+              <a:off x="0" y="0"/>
+              <a:ext cx="1869074" cy="329278"/>
+            </a:xfrm>
+            <a:custGeom>
+              <a:avLst/>
+              <a:gdLst/>
+              <a:ahLst/>
+              <a:cxnLst/>
+              <a:rect r="r" b="b" t="t" l="l"/>
+              <a:pathLst>
+                <a:path h="329278" w="1869074">
+                  <a:moveTo>
+                    <a:pt x="0" y="0"/>
+                  </a:moveTo>
+                  <a:lnTo>
+                    <a:pt x="1869074" y="0"/>
+                  </a:lnTo>
+                  <a:lnTo>
+                    <a:pt x="1869074" y="329278"/>
+                  </a:lnTo>
+                  <a:lnTo>
+                    <a:pt x="0" y="329278"/>
+                  </a:lnTo>
+                  <a:close/>
+                </a:path>
+              </a:pathLst>
+            </a:custGeom>
+            <a:gradFill rotWithShape="true">
+              <a:gsLst>
+                <a:gs pos="0">
+                  <a:srgbClr val="000000">
+                    <a:alpha val="100000"/>
+                  </a:srgbClr>
+                </a:gs>
+                <a:gs pos="100000">
+                  <a:srgbClr val="12229D">
+                    <a:alpha val="100000"/>
+                  </a:srgbClr>
+                </a:gs>
+              </a:gsLst>
+              <a:lin ang="0"/>
+            </a:gradFill>
+            <a:ln cap="sq">
+              <a:noFill/>
+              <a:prstDash val="solid"/>
+              <a:miter/>
+            </a:ln>
+          </p:spPr>
+        </p:sp>
+        <p:sp>
+          <p:nvSpPr>
+            <p:cNvPr name="TextBox 8" id="8"/>
+            <p:cNvSpPr txBox="true"/>
+            <p:nvPr/>
+          </p:nvSpPr>
+          <p:spPr>
+            <a:xfrm>
+              <a:off x="0" y="-38100"/>
+              <a:ext cx="1869074" cy="367378"/>
+            </a:xfrm>
+            <a:prstGeom prst="rect">
+              <a:avLst/>
+            </a:prstGeom>
+          </p:spPr>
+          <p:txBody>
+            <a:bodyPr anchor="ctr" rtlCol="false" tIns="70778" lIns="70778" bIns="70778" rIns="70778"/>
+            <a:lstStyle/>
+            <a:p>
+              <a:pPr algn="ctr">
+                <a:lnSpc>
+                  <a:spcPts val="2660"/>
+                </a:lnSpc>
+              </a:pPr>
+            </a:p>
+          </p:txBody>
+        </p:sp>
+      </p:grpSp>
+      <p:sp>
+        <p:nvSpPr>
+          <p:cNvPr name="TextBox 9" id="9"/>
+          <p:cNvSpPr txBox="true"/>
+          <p:nvPr/>
+        </p:nvSpPr>
+        <p:spPr>
+          <a:xfrm rot="0">
+            <a:off x="3341708" y="4040840"/>
+            <a:ext cx="11604584" cy="1264515"/>
+          </a:xfrm>
+          <a:prstGeom prst="rect">
+            <a:avLst/>
+          </a:prstGeom>
+        </p:spPr>
+        <p:txBody>
+          <a:bodyPr anchor="t" rtlCol="false" tIns="0" lIns="0" bIns="0" rIns="0">
+            <a:spAutoFit/>
+          </a:bodyPr>
+          <a:lstStyle/>
+          <a:p>
+            <a:pPr algn="ctr">
+              <a:lnSpc>
+                <a:spcPts val="9029"/>
+              </a:lnSpc>
+              <a:spcBef>
+                <a:spcPct val="0"/>
+              </a:spcBef>
+            </a:pPr>
+            <a:r>
+              <a:rPr lang="en-US" sz="7524" spc="361">
+                <a:solidFill>
+                  <a:srgbClr val="F4F6FC"/>
+                </a:solidFill>
+                <a:latin typeface="Codec Pro"/>
+                <a:ea typeface="Codec Pro"/>
+                <a:cs typeface="Codec Pro"/>
+                <a:sym typeface="Codec Pro"/>
+              </a:rPr>
+              <a:t>THANK YOU!</a:t>
+            </a:r>
+          </a:p>
+        </p:txBody>
+      </p:sp>
+      <p:grpSp>
+        <p:nvGrpSpPr>
+          <p:cNvPr name="Group 10" id="10"/>
+          <p:cNvGrpSpPr/>
+          <p:nvPr/>
+        </p:nvGrpSpPr>
+        <p:grpSpPr>
+          <a:xfrm rot="-10800000">
+            <a:off x="0" y="9917268"/>
+            <a:ext cx="18288000" cy="369732"/>
+            <a:chOff x="0" y="0"/>
+            <a:chExt cx="4816593" cy="97378"/>
+          </a:xfrm>
+        </p:grpSpPr>
+        <p:sp>
+          <p:nvSpPr>
+            <p:cNvPr name="Freeform 11" id="11"/>
+            <p:cNvSpPr/>
+            <p:nvPr/>
+          </p:nvSpPr>
+          <p:spPr>
+            <a:xfrm flipH="false" flipV="false" rot="0">
+              <a:off x="0" y="0"/>
+              <a:ext cx="4816592" cy="97378"/>
+            </a:xfrm>
+            <a:custGeom>
+              <a:avLst/>
+              <a:gdLst/>
+              <a:ahLst/>
+              <a:cxnLst/>
+              <a:rect r="r" b="b" t="t" l="l"/>
+              <a:pathLst>
+                <a:path h="97378" w="4816592">
+                  <a:moveTo>
+                    <a:pt x="0" y="0"/>
+                  </a:moveTo>
+                  <a:lnTo>
+                    <a:pt x="4816592" y="0"/>
+                  </a:lnTo>
+                  <a:lnTo>
+                    <a:pt x="4816592" y="97378"/>
+                  </a:lnTo>
+                  <a:lnTo>
+                    <a:pt x="0" y="97378"/>
+                  </a:lnTo>
+                  <a:close/>
+                </a:path>
+              </a:pathLst>
+            </a:custGeom>
+            <a:gradFill rotWithShape="true">
+              <a:gsLst>
+                <a:gs pos="0">
+                  <a:srgbClr val="000000">
+                    <a:alpha val="100000"/>
+                  </a:srgbClr>
+                </a:gs>
+                <a:gs pos="100000">
+                  <a:srgbClr val="12229D">
+                    <a:alpha val="100000"/>
+                  </a:srgbClr>
+                </a:gs>
+              </a:gsLst>
+              <a:lin ang="0"/>
+            </a:gradFill>
+          </p:spPr>
+        </p:sp>
+        <p:sp>
+          <p:nvSpPr>
+            <p:cNvPr name="TextBox 12" id="12"/>
+            <p:cNvSpPr txBox="true"/>
+            <p:nvPr/>
+          </p:nvSpPr>
+          <p:spPr>
+            <a:xfrm>
+              <a:off x="0" y="-38100"/>
+              <a:ext cx="4816593" cy="135478"/>
+            </a:xfrm>
+            <a:prstGeom prst="rect">
+              <a:avLst/>
+            </a:prstGeom>
+          </p:spPr>
+          <p:txBody>
+            <a:bodyPr anchor="ctr" rtlCol="false" tIns="50800" lIns="50800" bIns="50800" rIns="50800"/>
+            <a:lstStyle/>
+            <a:p>
+              <a:pPr algn="ctr">
+                <a:lnSpc>
+                  <a:spcPts val="2659"/>
+                </a:lnSpc>
+              </a:pPr>
+            </a:p>
+          </p:txBody>
+        </p:sp>
+      </p:grpSp>
+      <p:grpSp>
+        <p:nvGrpSpPr>
+          <p:cNvPr name="Group 13" id="13"/>
+          <p:cNvGrpSpPr/>
+          <p:nvPr/>
+        </p:nvGrpSpPr>
+        <p:grpSpPr>
+          <a:xfrm rot="-5400000">
+            <a:off x="13144500" y="4958634"/>
+            <a:ext cx="9917268" cy="369732"/>
+            <a:chOff x="0" y="0"/>
+            <a:chExt cx="2611955" cy="97378"/>
+          </a:xfrm>
+        </p:grpSpPr>
+        <p:sp>
+          <p:nvSpPr>
+            <p:cNvPr name="Freeform 14" id="14"/>
+            <p:cNvSpPr/>
+            <p:nvPr/>
+          </p:nvSpPr>
+          <p:spPr>
+            <a:xfrm flipH="false" flipV="false" rot="0">
+              <a:off x="0" y="0"/>
+              <a:ext cx="2611955" cy="97378"/>
+            </a:xfrm>
+            <a:custGeom>
+              <a:avLst/>
+              <a:gdLst/>
+              <a:ahLst/>
+              <a:cxnLst/>
+              <a:rect r="r" b="b" t="t" l="l"/>
+              <a:pathLst>
+                <a:path h="97378" w="2611955">
+                  <a:moveTo>
+                    <a:pt x="0" y="0"/>
+                  </a:moveTo>
+                  <a:lnTo>
+                    <a:pt x="2611955" y="0"/>
+                  </a:lnTo>
+                  <a:lnTo>
+                    <a:pt x="2611955" y="97378"/>
+                  </a:lnTo>
+                  <a:lnTo>
+                    <a:pt x="0" y="97378"/>
+                  </a:lnTo>
+                  <a:close/>
+                </a:path>
+              </a:pathLst>
+            </a:custGeom>
+            <a:gradFill rotWithShape="true">
+              <a:gsLst>
+                <a:gs pos="0">
+                  <a:srgbClr val="000000">
+                    <a:alpha val="100000"/>
+                  </a:srgbClr>
+                </a:gs>
+                <a:gs pos="100000">
+                  <a:srgbClr val="12229D">
+                    <a:alpha val="100000"/>
+                  </a:srgbClr>
+                </a:gs>
+              </a:gsLst>
+              <a:lin ang="0"/>
+            </a:gradFill>
+          </p:spPr>
+        </p:sp>
+        <p:sp>
+          <p:nvSpPr>
+            <p:cNvPr name="TextBox 15" id="15"/>
+            <p:cNvSpPr txBox="true"/>
+            <p:nvPr/>
+          </p:nvSpPr>
+          <p:spPr>
+            <a:xfrm>
+              <a:off x="0" y="-38100"/>
+              <a:ext cx="2611955" cy="135478"/>
+            </a:xfrm>
+            <a:prstGeom prst="rect">
+              <a:avLst/>
+            </a:prstGeom>
+          </p:spPr>
+          <p:txBody>
+            <a:bodyPr anchor="ctr" rtlCol="false" tIns="50800" lIns="50800" bIns="50800" rIns="50800"/>
+            <a:lstStyle/>
+            <a:p>
+              <a:pPr algn="ctr">
+                <a:lnSpc>
+                  <a:spcPts val="2659"/>
+                </a:lnSpc>
+              </a:pPr>
+            </a:p>
+          </p:txBody>
+        </p:sp>
+      </p:grpSp>
+      <p:grpSp>
+        <p:nvGrpSpPr>
+          <p:cNvPr name="Group 16" id="16"/>
+          <p:cNvGrpSpPr/>
+          <p:nvPr/>
+        </p:nvGrpSpPr>
+        <p:grpSpPr>
+          <a:xfrm rot="0">
+            <a:off x="0" y="0"/>
+            <a:ext cx="18288000" cy="369732"/>
+            <a:chOff x="0" y="0"/>
+            <a:chExt cx="4816593" cy="97378"/>
+          </a:xfrm>
+        </p:grpSpPr>
+        <p:sp>
+          <p:nvSpPr>
+            <p:cNvPr name="Freeform 17" id="17"/>
+            <p:cNvSpPr/>
+            <p:nvPr/>
+          </p:nvSpPr>
+          <p:spPr>
+            <a:xfrm flipH="false" flipV="false" rot="0">
+              <a:off x="0" y="0"/>
+              <a:ext cx="4816592" cy="97378"/>
+            </a:xfrm>
+            <a:custGeom>
+              <a:avLst/>
+              <a:gdLst/>
+              <a:ahLst/>
+              <a:cxnLst/>
+              <a:rect r="r" b="b" t="t" l="l"/>
+              <a:pathLst>
+                <a:path h="97378" w="4816592">
+                  <a:moveTo>
+                    <a:pt x="0" y="0"/>
+                  </a:moveTo>
+                  <a:lnTo>
+                    <a:pt x="4816592" y="0"/>
+                  </a:lnTo>
+                  <a:lnTo>
+                    <a:pt x="4816592" y="97378"/>
+                  </a:lnTo>
+                  <a:lnTo>
+                    <a:pt x="0" y="97378"/>
+                  </a:lnTo>
+                  <a:close/>
+                </a:path>
+              </a:pathLst>
+            </a:custGeom>
+            <a:gradFill rotWithShape="true">
+              <a:gsLst>
+                <a:gs pos="0">
+                  <a:srgbClr val="000000">
+                    <a:alpha val="100000"/>
+                  </a:srgbClr>
+                </a:gs>
+                <a:gs pos="100000">
+                  <a:srgbClr val="12229D">
+                    <a:alpha val="100000"/>
+                  </a:srgbClr>
+                </a:gs>
+              </a:gsLst>
+              <a:lin ang="0"/>
+            </a:gradFill>
+          </p:spPr>
+        </p:sp>
+        <p:sp>
+          <p:nvSpPr>
+            <p:cNvPr name="TextBox 18" id="18"/>
+            <p:cNvSpPr txBox="true"/>
+            <p:nvPr/>
+          </p:nvSpPr>
+          <p:spPr>
+            <a:xfrm>
+              <a:off x="0" y="-38100"/>
+              <a:ext cx="4816593" cy="135478"/>
+            </a:xfrm>
+            <a:prstGeom prst="rect">
+              <a:avLst/>
+            </a:prstGeom>
+          </p:spPr>
+          <p:txBody>
+            <a:bodyPr anchor="ctr" rtlCol="false" tIns="50800" lIns="50800" bIns="50800" rIns="50800"/>
+            <a:lstStyle/>
+            <a:p>
+              <a:pPr algn="ctr">
+                <a:lnSpc>
+                  <a:spcPts val="2659"/>
+                </a:lnSpc>
+              </a:pPr>
+            </a:p>
+          </p:txBody>
+        </p:sp>
+      </p:grpSp>
+      <p:grpSp>
+        <p:nvGrpSpPr>
+          <p:cNvPr name="Group 19" id="19"/>
+          <p:cNvGrpSpPr/>
+          <p:nvPr/>
+        </p:nvGrpSpPr>
+        <p:grpSpPr>
+          <a:xfrm rot="5400000">
+            <a:off x="-4864458" y="4958634"/>
+            <a:ext cx="10102134" cy="369732"/>
+            <a:chOff x="0" y="0"/>
+            <a:chExt cx="2660644" cy="97378"/>
+          </a:xfrm>
+        </p:grpSpPr>
+        <p:sp>
+          <p:nvSpPr>
+            <p:cNvPr name="Freeform 20" id="20"/>
+            <p:cNvSpPr/>
+            <p:nvPr/>
+          </p:nvSpPr>
+          <p:spPr>
+            <a:xfrm flipH="false" flipV="false" rot="0">
+              <a:off x="0" y="0"/>
+              <a:ext cx="2660644" cy="97378"/>
+            </a:xfrm>
+            <a:custGeom>
+              <a:avLst/>
+              <a:gdLst/>
+              <a:ahLst/>
+              <a:cxnLst/>
+              <a:rect r="r" b="b" t="t" l="l"/>
+              <a:pathLst>
+                <a:path h="97378" w="2660644">
+                  <a:moveTo>
+                    <a:pt x="0" y="0"/>
+                  </a:moveTo>
+                  <a:lnTo>
+                    <a:pt x="2660644" y="0"/>
+                  </a:lnTo>
+                  <a:lnTo>
+                    <a:pt x="2660644" y="97378"/>
+                  </a:lnTo>
+                  <a:lnTo>
+                    <a:pt x="0" y="97378"/>
+                  </a:lnTo>
+                  <a:close/>
+                </a:path>
+              </a:pathLst>
+            </a:custGeom>
+            <a:gradFill rotWithShape="true">
+              <a:gsLst>
+                <a:gs pos="0">
+                  <a:srgbClr val="000000">
+                    <a:alpha val="100000"/>
+                  </a:srgbClr>
+                </a:gs>
+                <a:gs pos="100000">
+                  <a:srgbClr val="12229D">
+                    <a:alpha val="100000"/>
+                  </a:srgbClr>
+                </a:gs>
+              </a:gsLst>
+              <a:lin ang="0"/>
+            </a:gradFill>
+          </p:spPr>
+        </p:sp>
+        <p:sp>
+          <p:nvSpPr>
+            <p:cNvPr name="TextBox 21" id="21"/>
+            <p:cNvSpPr txBox="true"/>
+            <p:nvPr/>
+          </p:nvSpPr>
+          <p:spPr>
+            <a:xfrm>
+              <a:off x="0" y="-38100"/>
+              <a:ext cx="2660644" cy="135478"/>
+            </a:xfrm>
+            <a:prstGeom prst="rect">
+              <a:avLst/>
+            </a:prstGeom>
+          </p:spPr>
+          <p:txBody>
+            <a:bodyPr anchor="ctr" rtlCol="false" tIns="50800" lIns="50800" bIns="50800" rIns="50800"/>
+            <a:lstStyle/>
+            <a:p>
+              <a:pPr algn="ctr">
+                <a:lnSpc>
+                  <a:spcPts val="2659"/>
+                </a:lnSpc>
+              </a:pPr>
+            </a:p>
+          </p:txBody>
+        </p:sp>
+      </p:grpSp>
+      <p:sp>
+        <p:nvSpPr>
+          <p:cNvPr name="Freeform 22" id="22"/>
+          <p:cNvSpPr/>
+          <p:nvPr/>
+        </p:nvSpPr>
+        <p:spPr>
+          <a:xfrm flipH="false" flipV="false" rot="0">
+            <a:off x="-231868" y="1013679"/>
+            <a:ext cx="3432328" cy="1029698"/>
+          </a:xfrm>
+          <a:custGeom>
+            <a:avLst/>
+            <a:gdLst/>
+            <a:ahLst/>
+            <a:cxnLst/>
+            <a:rect r="r" b="b" t="t" l="l"/>
+            <a:pathLst>
+              <a:path h="1029698" w="3432328">
+                <a:moveTo>
+                  <a:pt x="0" y="0"/>
+                </a:moveTo>
+                <a:lnTo>
+                  <a:pt x="3432329" y="0"/>
+                </a:lnTo>
+                <a:lnTo>
+                  <a:pt x="3432329" y="1029699"/>
+                </a:lnTo>
+                <a:lnTo>
+                  <a:pt x="0" y="1029699"/>
+                </a:lnTo>
+                <a:lnTo>
+                  <a:pt x="0" y="0"/>
+                </a:lnTo>
+                <a:close/>
+              </a:path>
+            </a:pathLst>
+          </a:custGeom>
+          <a:blipFill>
+            <a:blip r:embed="rId6">
+              <a:extLst>
+                <a:ext uri="{96DAC541-7B7A-43D3-8B79-37D633B846F1}">
+                  <asvg:svgBlip xmlns:asvg="http://schemas.microsoft.com/office/drawing/2016/SVG/main" r:embed="rId7"/>
+                </a:ext>
+              </a:extLst>
+            </a:blip>
+            <a:stretch>
+              <a:fillRect l="0" t="0" r="0" b="0"/>
+            </a:stretch>
+          </a:blipFill>
+        </p:spPr>
+      </p:sp>
+      <p:sp>
+        <p:nvSpPr>
+          <p:cNvPr name="Freeform 23" id="23"/>
+          <p:cNvSpPr/>
+          <p:nvPr/>
+        </p:nvSpPr>
+        <p:spPr>
+          <a:xfrm flipH="false" flipV="false" rot="0">
+            <a:off x="14415053" y="1528529"/>
+            <a:ext cx="850914" cy="850914"/>
+          </a:xfrm>
+          <a:custGeom>
+            <a:avLst/>
+            <a:gdLst/>
+            <a:ahLst/>
+            <a:cxnLst/>
+            <a:rect r="r" b="b" t="t" l="l"/>
+            <a:pathLst>
+              <a:path h="850914" w="850914">
+                <a:moveTo>
+                  <a:pt x="0" y="0"/>
+                </a:moveTo>
+                <a:lnTo>
+                  <a:pt x="850913" y="0"/>
+                </a:lnTo>
+                <a:lnTo>
+                  <a:pt x="850913" y="850913"/>
+                </a:lnTo>
+                <a:lnTo>
+                  <a:pt x="0" y="850913"/>
+                </a:lnTo>
+                <a:lnTo>
+                  <a:pt x="0" y="0"/>
+                </a:lnTo>
+                <a:close/>
+              </a:path>
+            </a:pathLst>
+          </a:custGeom>
+          <a:blipFill>
+            <a:blip r:embed="rId8">
+              <a:extLst>
+                <a:ext uri="{96DAC541-7B7A-43D3-8B79-37D633B846F1}">
+                  <asvg:svgBlip xmlns:asvg="http://schemas.microsoft.com/office/drawing/2016/SVG/main" r:embed="rId9"/>
+                </a:ext>
+              </a:extLst>
+            </a:blip>
+            <a:stretch>
+              <a:fillRect l="0" t="0" r="0" b="0"/>
+            </a:stretch>
+          </a:blipFill>
+        </p:spPr>
+      </p:sp>
+      <p:sp>
+        <p:nvSpPr>
+          <p:cNvPr name="Freeform 24" id="24"/>
           <p:cNvSpPr/>
           <p:nvPr/>
         </p:nvSpPr>
@@ -6279,9 +8694,9 @@
           <p:nvPr/>
         </p:nvSpPr>
         <p:spPr>
-          <a:xfrm flipH="true" flipV="false" rot="0">
-            <a:off x="1028700" y="7686641"/>
-            <a:ext cx="1497362" cy="1571659"/>
+          <a:xfrm flipH="false" flipV="false" rot="0">
+            <a:off x="3493371" y="4624784"/>
+            <a:ext cx="11301259" cy="4633516"/>
           </a:xfrm>
           <a:custGeom>
             <a:avLst/>
@@ -6290,70 +8705,18 @@
             <a:cxnLst/>
             <a:rect r="r" b="b" t="t" l="l"/>
             <a:pathLst>
-              <a:path h="1571659" w="1497362">
-                <a:moveTo>
-                  <a:pt x="1497362" y="0"/>
-                </a:moveTo>
-                <a:lnTo>
-                  <a:pt x="0" y="0"/>
-                </a:lnTo>
-                <a:lnTo>
-                  <a:pt x="0" y="1571659"/>
-                </a:lnTo>
-                <a:lnTo>
-                  <a:pt x="1497362" y="1571659"/>
-                </a:lnTo>
-                <a:lnTo>
-                  <a:pt x="1497362" y="0"/>
-                </a:lnTo>
-                <a:close/>
-              </a:path>
-            </a:pathLst>
-          </a:custGeom>
-          <a:blipFill>
-            <a:blip r:embed="rId2">
-              <a:extLst>
-                <a:ext uri="{96DAC541-7B7A-43D3-8B79-37D633B846F1}">
-                  <asvg:svgBlip xmlns:asvg="http://schemas.microsoft.com/office/drawing/2016/SVG/main" r:embed="rId3"/>
-                </a:ext>
-              </a:extLst>
-            </a:blip>
-            <a:stretch>
-              <a:fillRect l="0" t="0" r="0" b="0"/>
-            </a:stretch>
-          </a:blipFill>
-        </p:spPr>
-      </p:sp>
-      <p:sp>
-        <p:nvSpPr>
-          <p:cNvPr name="Freeform 3" id="3"/>
-          <p:cNvSpPr/>
-          <p:nvPr/>
-        </p:nvSpPr>
-        <p:spPr>
-          <a:xfrm flipH="false" flipV="false" rot="0">
-            <a:off x="3341708" y="7267328"/>
-            <a:ext cx="2231046" cy="1220991"/>
-          </a:xfrm>
-          <a:custGeom>
-            <a:avLst/>
-            <a:gdLst/>
-            <a:ahLst/>
-            <a:cxnLst/>
-            <a:rect r="r" b="b" t="t" l="l"/>
-            <a:pathLst>
-              <a:path h="1220991" w="2231046">
+              <a:path h="4633516" w="11301259">
                 <a:moveTo>
                   <a:pt x="0" y="0"/>
                 </a:moveTo>
                 <a:lnTo>
-                  <a:pt x="2231046" y="0"/>
+                  <a:pt x="11301258" y="0"/>
                 </a:lnTo>
                 <a:lnTo>
-                  <a:pt x="2231046" y="1220990"/>
+                  <a:pt x="11301258" y="4633516"/>
                 </a:lnTo>
                 <a:lnTo>
-                  <a:pt x="0" y="1220990"/>
+                  <a:pt x="0" y="4633516"/>
                 </a:lnTo>
                 <a:lnTo>
                   <a:pt x="0" y="0"/>
@@ -6363,13 +8726,7 @@
             </a:pathLst>
           </a:custGeom>
           <a:blipFill>
-            <a:blip r:embed="rId4">
-              <a:extLst>
-                <a:ext uri="{96DAC541-7B7A-43D3-8B79-37D633B846F1}">
-                  <asvg:svgBlip xmlns:asvg="http://schemas.microsoft.com/office/drawing/2016/SVG/main" r:embed="rId5"/>
-                </a:ext>
-              </a:extLst>
-            </a:blip>
+            <a:blip r:embed="rId2"/>
             <a:stretch>
               <a:fillRect l="0" t="0" r="0" b="0"/>
             </a:stretch>
@@ -6378,161 +8735,14 @@
       </p:sp>
       <p:sp>
         <p:nvSpPr>
-          <p:cNvPr name="AutoShape 4" id="4"/>
-          <p:cNvSpPr/>
-          <p:nvPr/>
-        </p:nvSpPr>
-        <p:spPr>
-          <a:xfrm flipV="true">
-            <a:off x="4413807" y="6340717"/>
-            <a:ext cx="872093" cy="0"/>
-          </a:xfrm>
-          <a:prstGeom prst="line">
-            <a:avLst/>
-          </a:prstGeom>
-          <a:ln cap="flat" w="38100">
-            <a:solidFill>
-              <a:srgbClr val="000000"/>
-            </a:solidFill>
-            <a:prstDash val="solid"/>
-            <a:headEnd type="none" len="sm" w="sm"/>
-            <a:tailEnd type="none" len="sm" w="sm"/>
-          </a:ln>
-        </p:spPr>
-      </p:sp>
-      <p:sp>
-        <p:nvSpPr>
-          <p:cNvPr name="AutoShape 5" id="5"/>
-          <p:cNvSpPr/>
-          <p:nvPr/>
-        </p:nvSpPr>
-        <p:spPr>
-          <a:xfrm flipV="true">
-            <a:off x="13002100" y="6378817"/>
-            <a:ext cx="872093" cy="0"/>
-          </a:xfrm>
-          <a:prstGeom prst="line">
-            <a:avLst/>
-          </a:prstGeom>
-          <a:ln cap="flat" w="38100">
-            <a:solidFill>
-              <a:srgbClr val="000000"/>
-            </a:solidFill>
-            <a:prstDash val="solid"/>
-            <a:headEnd type="none" len="sm" w="sm"/>
-            <a:tailEnd type="none" len="sm" w="sm"/>
-          </a:ln>
-        </p:spPr>
-      </p:sp>
-      <p:grpSp>
-        <p:nvGrpSpPr>
-          <p:cNvPr name="Group 6" id="6"/>
-          <p:cNvGrpSpPr/>
-          <p:nvPr/>
-        </p:nvGrpSpPr>
-        <p:grpSpPr>
-          <a:xfrm rot="0">
-            <a:off x="4200268" y="3864065"/>
-            <a:ext cx="9887464" cy="1741890"/>
-            <a:chOff x="0" y="0"/>
-            <a:chExt cx="1869074" cy="329278"/>
-          </a:xfrm>
-        </p:grpSpPr>
-        <p:sp>
-          <p:nvSpPr>
-            <p:cNvPr name="Freeform 7" id="7"/>
-            <p:cNvSpPr/>
-            <p:nvPr/>
-          </p:nvSpPr>
-          <p:spPr>
-            <a:xfrm flipH="false" flipV="false" rot="0">
-              <a:off x="0" y="0"/>
-              <a:ext cx="1869074" cy="329278"/>
-            </a:xfrm>
-            <a:custGeom>
-              <a:avLst/>
-              <a:gdLst/>
-              <a:ahLst/>
-              <a:cxnLst/>
-              <a:rect r="r" b="b" t="t" l="l"/>
-              <a:pathLst>
-                <a:path h="329278" w="1869074">
-                  <a:moveTo>
-                    <a:pt x="0" y="0"/>
-                  </a:moveTo>
-                  <a:lnTo>
-                    <a:pt x="1869074" y="0"/>
-                  </a:lnTo>
-                  <a:lnTo>
-                    <a:pt x="1869074" y="329278"/>
-                  </a:lnTo>
-                  <a:lnTo>
-                    <a:pt x="0" y="329278"/>
-                  </a:lnTo>
-                  <a:close/>
-                </a:path>
-              </a:pathLst>
-            </a:custGeom>
-            <a:gradFill rotWithShape="true">
-              <a:gsLst>
-                <a:gs pos="0">
-                  <a:srgbClr val="000000">
-                    <a:alpha val="100000"/>
-                  </a:srgbClr>
-                </a:gs>
-                <a:gs pos="100000">
-                  <a:srgbClr val="12229D">
-                    <a:alpha val="100000"/>
-                  </a:srgbClr>
-                </a:gs>
-              </a:gsLst>
-              <a:lin ang="0"/>
-            </a:gradFill>
-            <a:ln cap="sq">
-              <a:noFill/>
-              <a:prstDash val="solid"/>
-              <a:miter/>
-            </a:ln>
-          </p:spPr>
-        </p:sp>
-        <p:sp>
-          <p:nvSpPr>
-            <p:cNvPr name="TextBox 8" id="8"/>
-            <p:cNvSpPr txBox="true"/>
-            <p:nvPr/>
-          </p:nvSpPr>
-          <p:spPr>
-            <a:xfrm>
-              <a:off x="0" y="-38100"/>
-              <a:ext cx="1869074" cy="367378"/>
-            </a:xfrm>
-            <a:prstGeom prst="rect">
-              <a:avLst/>
-            </a:prstGeom>
-          </p:spPr>
-          <p:txBody>
-            <a:bodyPr anchor="ctr" rtlCol="false" tIns="70778" lIns="70778" bIns="70778" rIns="70778"/>
-            <a:lstStyle/>
-            <a:p>
-              <a:pPr algn="ctr">
-                <a:lnSpc>
-                  <a:spcPts val="2660"/>
-                </a:lnSpc>
-              </a:pPr>
-            </a:p>
-          </p:txBody>
-        </p:sp>
-      </p:grpSp>
-      <p:sp>
-        <p:nvSpPr>
-          <p:cNvPr name="TextBox 9" id="9"/>
+          <p:cNvPr name="TextBox 3" id="3"/>
           <p:cNvSpPr txBox="true"/>
           <p:nvPr/>
         </p:nvSpPr>
         <p:spPr>
           <a:xfrm rot="0">
-            <a:off x="3341708" y="4040840"/>
-            <a:ext cx="11604584" cy="1264515"/>
+            <a:off x="4183618" y="557991"/>
+            <a:ext cx="9920764" cy="3211962"/>
           </a:xfrm>
           <a:prstGeom prst="rect">
             <a:avLst/>
@@ -6546,30 +8756,119 @@
           <a:p>
             <a:pPr algn="ctr">
               <a:lnSpc>
-                <a:spcPts val="9029"/>
+                <a:spcPts val="5137"/>
+              </a:lnSpc>
+            </a:pPr>
+            <a:r>
+              <a:rPr lang="en-US" sz="3669" b="true">
+                <a:solidFill>
+                  <a:srgbClr val="000000"/>
+                </a:solidFill>
+                <a:latin typeface="Open Sans Bold"/>
+                <a:ea typeface="Open Sans Bold"/>
+                <a:cs typeface="Open Sans Bold"/>
+                <a:sym typeface="Open Sans Bold"/>
+              </a:rPr>
+              <a:t>Use case name: Place Order </a:t>
+            </a:r>
+          </a:p>
+          <a:p>
+            <a:pPr algn="ctr">
+              <a:lnSpc>
+                <a:spcPts val="5137"/>
+              </a:lnSpc>
+            </a:pPr>
+            <a:r>
+              <a:rPr lang="en-US" sz="3669" b="true">
+                <a:solidFill>
+                  <a:srgbClr val="000000"/>
+                </a:solidFill>
+                <a:latin typeface="Open Sans Bold"/>
+                <a:ea typeface="Open Sans Bold"/>
+                <a:cs typeface="Open Sans Bold"/>
+                <a:sym typeface="Open Sans Bold"/>
+              </a:rPr>
+              <a:t>Scope: Food Delivery Management System </a:t>
+            </a:r>
+          </a:p>
+          <a:p>
+            <a:pPr algn="ctr">
+              <a:lnSpc>
+                <a:spcPts val="5137"/>
+              </a:lnSpc>
+            </a:pPr>
+            <a:r>
+              <a:rPr lang="en-US" sz="3669" b="true">
+                <a:solidFill>
+                  <a:srgbClr val="000000"/>
+                </a:solidFill>
+                <a:latin typeface="Open Sans Bold"/>
+                <a:ea typeface="Open Sans Bold"/>
+                <a:cs typeface="Open Sans Bold"/>
+                <a:sym typeface="Open Sans Bold"/>
+              </a:rPr>
+              <a:t>Level: User Goal </a:t>
+            </a:r>
+          </a:p>
+          <a:p>
+            <a:pPr algn="ctr">
+              <a:lnSpc>
+                <a:spcPts val="5137"/>
+              </a:lnSpc>
+            </a:pPr>
+            <a:r>
+              <a:rPr lang="en-US" sz="3669" b="true">
+                <a:solidFill>
+                  <a:srgbClr val="000000"/>
+                </a:solidFill>
+                <a:latin typeface="Open Sans Bold"/>
+                <a:ea typeface="Open Sans Bold"/>
+                <a:cs typeface="Open Sans Bold"/>
+                <a:sym typeface="Open Sans Bold"/>
+              </a:rPr>
+              <a:t>Primary Actor: Customer </a:t>
+            </a:r>
+          </a:p>
+          <a:p>
+            <a:pPr algn="ctr">
+              <a:lnSpc>
+                <a:spcPts val="5137"/>
               </a:lnSpc>
               <a:spcBef>
                 <a:spcPct val="0"/>
               </a:spcBef>
             </a:pPr>
-            <a:r>
-              <a:rPr lang="en-US" sz="7524" spc="361">
-                <a:solidFill>
-                  <a:srgbClr val="F4F6FC"/>
-                </a:solidFill>
-                <a:latin typeface="Codec Pro"/>
-                <a:ea typeface="Codec Pro"/>
-                <a:cs typeface="Codec Pro"/>
-                <a:sym typeface="Codec Pro"/>
-              </a:rPr>
-              <a:t>THANK YOU!</a:t>
-            </a:r>
           </a:p>
         </p:txBody>
       </p:sp>
+    </p:spTree>
+  </p:cSld>
+  <p:clrMapOvr>
+    <a:masterClrMapping/>
+  </p:clrMapOvr>
+</p:sld>
+</file>
+
+<file path=ppt/slides/slide8.xml><?xml version="1.0" encoding="utf-8"?>
+<p:sld xmlns:p="http://schemas.openxmlformats.org/presentationml/2006/main" xmlns:a="http://schemas.openxmlformats.org/drawingml/2006/main" xmlns:r="http://schemas.openxmlformats.org/officeDocument/2006/relationships">
+  <p:cSld>
+    <p:spTree>
+      <p:nvGrpSpPr>
+        <p:cNvPr id="1" name=""/>
+        <p:cNvGrpSpPr/>
+        <p:nvPr/>
+      </p:nvGrpSpPr>
+      <p:grpSpPr>
+        <a:xfrm>
+          <a:off x="0" y="0"/>
+          <a:ext cx="0" cy="0"/>
+          <a:chOff x="0" y="0"/>
+          <a:chExt cx="0" cy="0"/>
+        </a:xfrm>
+      </p:grpSpPr>
       <p:grpSp>
         <p:nvGrpSpPr>
-          <p:cNvPr name="Group 10" id="10"/>
+          <p:cNvPr name="Group 2" id="2"/>
           <p:cNvGrpSpPr/>
           <p:nvPr/>
         </p:nvGrpSpPr>
@@ -6583,7 +8882,7 @@
         </p:grpSpPr>
         <p:sp>
           <p:nvSpPr>
-            <p:cNvPr name="Freeform 11" id="11"/>
+            <p:cNvPr name="Freeform 3" id="3"/>
             <p:cNvSpPr/>
             <p:nvPr/>
           </p:nvSpPr>
@@ -6635,7 +8934,7 @@
         </p:sp>
         <p:sp>
           <p:nvSpPr>
-            <p:cNvPr name="TextBox 12" id="12"/>
+            <p:cNvPr name="TextBox 4" id="4"/>
             <p:cNvSpPr txBox="true"/>
             <p:nvPr/>
           </p:nvSpPr>
@@ -6663,7 +8962,7 @@
       </p:grpSp>
       <p:grpSp>
         <p:nvGrpSpPr>
-          <p:cNvPr name="Group 13" id="13"/>
+          <p:cNvPr name="Group 5" id="5"/>
           <p:cNvGrpSpPr/>
           <p:nvPr/>
         </p:nvGrpSpPr>
@@ -6677,7 +8976,7 @@
         </p:grpSpPr>
         <p:sp>
           <p:nvSpPr>
-            <p:cNvPr name="Freeform 14" id="14"/>
+            <p:cNvPr name="Freeform 6" id="6"/>
             <p:cNvSpPr/>
             <p:nvPr/>
           </p:nvSpPr>
@@ -6729,7 +9028,7 @@
         </p:sp>
         <p:sp>
           <p:nvSpPr>
-            <p:cNvPr name="TextBox 15" id="15"/>
+            <p:cNvPr name="TextBox 7" id="7"/>
             <p:cNvSpPr txBox="true"/>
             <p:nvPr/>
           </p:nvSpPr>
@@ -6757,7 +9056,7 @@
       </p:grpSp>
       <p:grpSp>
         <p:nvGrpSpPr>
-          <p:cNvPr name="Group 16" id="16"/>
+          <p:cNvPr name="Group 8" id="8"/>
           <p:cNvGrpSpPr/>
           <p:nvPr/>
         </p:nvGrpSpPr>
@@ -6771,7 +9070,7 @@
         </p:grpSpPr>
         <p:sp>
           <p:nvSpPr>
-            <p:cNvPr name="Freeform 17" id="17"/>
+            <p:cNvPr name="Freeform 9" id="9"/>
             <p:cNvSpPr/>
             <p:nvPr/>
           </p:nvSpPr>
@@ -6823,7 +9122,7 @@
         </p:sp>
         <p:sp>
           <p:nvSpPr>
-            <p:cNvPr name="TextBox 18" id="18"/>
+            <p:cNvPr name="TextBox 10" id="10"/>
             <p:cNvSpPr txBox="true"/>
             <p:nvPr/>
           </p:nvSpPr>
@@ -6851,7 +9150,7 @@
       </p:grpSp>
       <p:grpSp>
         <p:nvGrpSpPr>
-          <p:cNvPr name="Group 19" id="19"/>
+          <p:cNvPr name="Group 11" id="11"/>
           <p:cNvGrpSpPr/>
           <p:nvPr/>
         </p:nvGrpSpPr>
@@ -6865,7 +9164,7 @@
         </p:grpSpPr>
         <p:sp>
           <p:nvSpPr>
-            <p:cNvPr name="Freeform 20" id="20"/>
+            <p:cNvPr name="Freeform 12" id="12"/>
             <p:cNvSpPr/>
             <p:nvPr/>
           </p:nvSpPr>
@@ -6917,7 +9216,7 @@
         </p:sp>
         <p:sp>
           <p:nvSpPr>
-            <p:cNvPr name="TextBox 21" id="21"/>
+            <p:cNvPr name="TextBox 13" id="13"/>
             <p:cNvSpPr txBox="true"/>
             <p:nvPr/>
           </p:nvSpPr>
@@ -6945,14 +9244,14 @@
       </p:grpSp>
       <p:sp>
         <p:nvSpPr>
-          <p:cNvPr name="Freeform 22" id="22"/>
+          <p:cNvPr name="Freeform 14" id="14"/>
           <p:cNvSpPr/>
           <p:nvPr/>
         </p:nvSpPr>
         <p:spPr>
           <a:xfrm flipH="false" flipV="false" rot="0">
-            <a:off x="-231868" y="1013679"/>
-            <a:ext cx="3432328" cy="1029698"/>
+            <a:off x="2117464" y="699216"/>
+            <a:ext cx="14053073" cy="8888568"/>
           </a:xfrm>
           <a:custGeom>
             <a:avLst/>
@@ -6961,18 +9260,18 @@
             <a:cxnLst/>
             <a:rect r="r" b="b" t="t" l="l"/>
             <a:pathLst>
-              <a:path h="1029698" w="3432328">
+              <a:path h="8888568" w="14053073">
                 <a:moveTo>
                   <a:pt x="0" y="0"/>
                 </a:moveTo>
                 <a:lnTo>
-                  <a:pt x="3432329" y="0"/>
+                  <a:pt x="14053072" y="0"/>
                 </a:lnTo>
                 <a:lnTo>
-                  <a:pt x="3432329" y="1029699"/>
+                  <a:pt x="14053072" y="8888568"/>
                 </a:lnTo>
                 <a:lnTo>
-                  <a:pt x="0" y="1029699"/>
+                  <a:pt x="0" y="8888568"/>
                 </a:lnTo>
                 <a:lnTo>
                   <a:pt x="0" y="0"/>
@@ -6982,29 +9281,48 @@
             </a:pathLst>
           </a:custGeom>
           <a:blipFill>
-            <a:blip r:embed="rId6">
-              <a:extLst>
-                <a:ext uri="{96DAC541-7B7A-43D3-8B79-37D633B846F1}">
-                  <asvg:svgBlip xmlns:asvg="http://schemas.microsoft.com/office/drawing/2016/SVG/main" r:embed="rId7"/>
-                </a:ext>
-              </a:extLst>
-            </a:blip>
+            <a:blip r:embed="rId2"/>
             <a:stretch>
               <a:fillRect l="0" t="0" r="0" b="0"/>
             </a:stretch>
           </a:blipFill>
         </p:spPr>
       </p:sp>
+    </p:spTree>
+  </p:cSld>
+  <p:clrMapOvr>
+    <a:masterClrMapping/>
+  </p:clrMapOvr>
+</p:sld>
+</file>
+
+<file path=ppt/slides/slide9.xml><?xml version="1.0" encoding="utf-8"?>
+<p:sld xmlns:p="http://schemas.openxmlformats.org/presentationml/2006/main" xmlns:a="http://schemas.openxmlformats.org/drawingml/2006/main" xmlns:r="http://schemas.openxmlformats.org/officeDocument/2006/relationships">
+  <p:cSld>
+    <p:spTree>
+      <p:nvGrpSpPr>
+        <p:cNvPr id="1" name=""/>
+        <p:cNvGrpSpPr/>
+        <p:nvPr/>
+      </p:nvGrpSpPr>
+      <p:grpSpPr>
+        <a:xfrm>
+          <a:off x="0" y="0"/>
+          <a:ext cx="0" cy="0"/>
+          <a:chOff x="0" y="0"/>
+          <a:chExt cx="0" cy="0"/>
+        </a:xfrm>
+      </p:grpSpPr>
       <p:sp>
         <p:nvSpPr>
-          <p:cNvPr name="Freeform 23" id="23"/>
+          <p:cNvPr name="Freeform 2" id="2"/>
           <p:cNvSpPr/>
           <p:nvPr/>
         </p:nvSpPr>
         <p:spPr>
           <a:xfrm flipH="false" flipV="false" rot="0">
-            <a:off x="14415053" y="1528529"/>
-            <a:ext cx="850914" cy="850914"/>
+            <a:off x="1384842" y="371618"/>
+            <a:ext cx="15518316" cy="9543764"/>
           </a:xfrm>
           <a:custGeom>
             <a:avLst/>
@@ -7013,18 +9331,18 @@
             <a:cxnLst/>
             <a:rect r="r" b="b" t="t" l="l"/>
             <a:pathLst>
-              <a:path h="850914" w="850914">
+              <a:path h="9543764" w="15518316">
                 <a:moveTo>
                   <a:pt x="0" y="0"/>
                 </a:moveTo>
                 <a:lnTo>
-                  <a:pt x="850913" y="0"/>
+                  <a:pt x="15518316" y="0"/>
                 </a:lnTo>
                 <a:lnTo>
-                  <a:pt x="850913" y="850913"/>
+                  <a:pt x="15518316" y="9543764"/>
                 </a:lnTo>
                 <a:lnTo>
-                  <a:pt x="0" y="850913"/>
+                  <a:pt x="0" y="9543764"/>
                 </a:lnTo>
                 <a:lnTo>
                   <a:pt x="0" y="0"/>
@@ -7034,65 +9352,7 @@
             </a:pathLst>
           </a:custGeom>
           <a:blipFill>
-            <a:blip r:embed="rId8">
-              <a:extLst>
-                <a:ext uri="{96DAC541-7B7A-43D3-8B79-37D633B846F1}">
-                  <asvg:svgBlip xmlns:asvg="http://schemas.microsoft.com/office/drawing/2016/SVG/main" r:embed="rId9"/>
-                </a:ext>
-              </a:extLst>
-            </a:blip>
-            <a:stretch>
-              <a:fillRect l="0" t="0" r="0" b="0"/>
-            </a:stretch>
-          </a:blipFill>
-        </p:spPr>
-      </p:sp>
-      <p:sp>
-        <p:nvSpPr>
-          <p:cNvPr name="Freeform 24" id="24"/>
-          <p:cNvSpPr/>
-          <p:nvPr/>
-        </p:nvSpPr>
-        <p:spPr>
-          <a:xfrm flipH="false" flipV="false" rot="-5400000">
-            <a:off x="15399525" y="4308265"/>
-            <a:ext cx="2314760" cy="1266805"/>
-          </a:xfrm>
-          <a:custGeom>
-            <a:avLst/>
-            <a:gdLst/>
-            <a:ahLst/>
-            <a:cxnLst/>
-            <a:rect r="r" b="b" t="t" l="l"/>
-            <a:pathLst>
-              <a:path h="1266805" w="2314760">
-                <a:moveTo>
-                  <a:pt x="0" y="0"/>
-                </a:moveTo>
-                <a:lnTo>
-                  <a:pt x="2314760" y="0"/>
-                </a:lnTo>
-                <a:lnTo>
-                  <a:pt x="2314760" y="1266805"/>
-                </a:lnTo>
-                <a:lnTo>
-                  <a:pt x="0" y="1266805"/>
-                </a:lnTo>
-                <a:lnTo>
-                  <a:pt x="0" y="0"/>
-                </a:lnTo>
-                <a:close/>
-              </a:path>
-            </a:pathLst>
-          </a:custGeom>
-          <a:blipFill>
-            <a:blip r:embed="rId4">
-              <a:extLst>
-                <a:ext uri="{96DAC541-7B7A-43D3-8B79-37D633B846F1}">
-                  <asvg:svgBlip xmlns:asvg="http://schemas.microsoft.com/office/drawing/2016/SVG/main" r:embed="rId5"/>
-                </a:ext>
-              </a:extLst>
-            </a:blip>
+            <a:blip r:embed="rId2"/>
             <a:stretch>
               <a:fillRect l="0" t="0" r="0" b="0"/>
             </a:stretch>
